--- a/Slide Decks/Tuesday Morning.pptx
+++ b/Slide Decks/Tuesday Morning.pptx
@@ -5,42 +5,41 @@
     <p:sldMasterId id="2147483648" r:id="rId1"/>
   </p:sldMasterIdLst>
   <p:notesMasterIdLst>
-    <p:notesMasterId r:id="rId35"/>
+    <p:notesMasterId r:id="rId34"/>
   </p:notesMasterIdLst>
   <p:sldIdLst>
     <p:sldId id="256" r:id="rId2"/>
     <p:sldId id="257" r:id="rId3"/>
-    <p:sldId id="275" r:id="rId4"/>
-    <p:sldId id="285" r:id="rId5"/>
-    <p:sldId id="276" r:id="rId6"/>
-    <p:sldId id="284" r:id="rId7"/>
-    <p:sldId id="277" r:id="rId8"/>
-    <p:sldId id="278" r:id="rId9"/>
-    <p:sldId id="261" r:id="rId10"/>
-    <p:sldId id="262" r:id="rId11"/>
-    <p:sldId id="263" r:id="rId12"/>
-    <p:sldId id="279" r:id="rId13"/>
-    <p:sldId id="280" r:id="rId14"/>
-    <p:sldId id="264" r:id="rId15"/>
-    <p:sldId id="281" r:id="rId16"/>
-    <p:sldId id="283" r:id="rId17"/>
-    <p:sldId id="266" r:id="rId18"/>
-    <p:sldId id="268" r:id="rId19"/>
-    <p:sldId id="286" r:id="rId20"/>
-    <p:sldId id="292" r:id="rId21"/>
-    <p:sldId id="287" r:id="rId22"/>
-    <p:sldId id="293" r:id="rId23"/>
-    <p:sldId id="288" r:id="rId24"/>
-    <p:sldId id="294" r:id="rId25"/>
-    <p:sldId id="289" r:id="rId26"/>
-    <p:sldId id="295" r:id="rId27"/>
-    <p:sldId id="290" r:id="rId28"/>
-    <p:sldId id="296" r:id="rId29"/>
-    <p:sldId id="291" r:id="rId30"/>
-    <p:sldId id="297" r:id="rId31"/>
-    <p:sldId id="260" r:id="rId32"/>
-    <p:sldId id="258" r:id="rId33"/>
-    <p:sldId id="259" r:id="rId34"/>
+    <p:sldId id="276" r:id="rId4"/>
+    <p:sldId id="284" r:id="rId5"/>
+    <p:sldId id="277" r:id="rId6"/>
+    <p:sldId id="278" r:id="rId7"/>
+    <p:sldId id="261" r:id="rId8"/>
+    <p:sldId id="262" r:id="rId9"/>
+    <p:sldId id="263" r:id="rId10"/>
+    <p:sldId id="279" r:id="rId11"/>
+    <p:sldId id="280" r:id="rId12"/>
+    <p:sldId id="264" r:id="rId13"/>
+    <p:sldId id="298" r:id="rId14"/>
+    <p:sldId id="281" r:id="rId15"/>
+    <p:sldId id="283" r:id="rId16"/>
+    <p:sldId id="266" r:id="rId17"/>
+    <p:sldId id="268" r:id="rId18"/>
+    <p:sldId id="286" r:id="rId19"/>
+    <p:sldId id="292" r:id="rId20"/>
+    <p:sldId id="287" r:id="rId21"/>
+    <p:sldId id="293" r:id="rId22"/>
+    <p:sldId id="288" r:id="rId23"/>
+    <p:sldId id="294" r:id="rId24"/>
+    <p:sldId id="289" r:id="rId25"/>
+    <p:sldId id="295" r:id="rId26"/>
+    <p:sldId id="290" r:id="rId27"/>
+    <p:sldId id="296" r:id="rId28"/>
+    <p:sldId id="291" r:id="rId29"/>
+    <p:sldId id="297" r:id="rId30"/>
+    <p:sldId id="260" r:id="rId31"/>
+    <p:sldId id="258" r:id="rId32"/>
+    <p:sldId id="259" r:id="rId33"/>
   </p:sldIdLst>
   <p:sldSz cx="12192000" cy="6858000"/>
   <p:notesSz cx="6858000" cy="9144000"/>
@@ -296,7 +295,7 @@
           <a:p>
             <a:fld id="{F4166192-FEE3-D648-99F5-B8E1CA943F57}" type="datetimeFigureOut">
               <a:rPr lang="en-US" smtClean="0"/>
-              <a:t>5/3/22</a:t>
+              <a:t>5/16/22</a:t>
             </a:fld>
             <a:endParaRPr lang="en-US"/>
           </a:p>
@@ -695,24 +694,9 @@
           <a:lstStyle/>
           <a:p>
             <a:r>
-              <a:rPr lang="en-US">
-                <a:highlight>
-                  <a:srgbClr val="FFFF00"/>
-                </a:highlight>
-              </a:rPr>
-              <a:t>Bootstrapping </a:t>
-            </a:r>
-            <a:r>
-              <a:rPr lang="en-US" dirty="0">
-                <a:highlight>
-                  <a:srgbClr val="FFFF00"/>
-                </a:highlight>
-              </a:rPr>
-              <a:t>ci in package</a:t>
-            </a:r>
-          </a:p>
-          <a:p>
-            <a:endParaRPr lang="en-US" dirty="0"/>
+              <a:rPr lang="en-US" dirty="0"/>
+              <a:t>The cheat sheet should have a high and low value RP for each metric.</a:t>
+            </a:r>
           </a:p>
         </p:txBody>
       </p:sp>
@@ -733,7 +717,7 @@
           <a:p>
             <a:fld id="{2E7BF10D-13F7-F046-B161-C24855EB3F81}" type="slidenum">
               <a:rPr lang="en-US" smtClean="0"/>
-              <a:t>19</a:t>
+              <a:t>24</a:t>
             </a:fld>
             <a:endParaRPr lang="en-US"/>
           </a:p>
@@ -742,7 +726,7 @@
     </p:spTree>
     <p:extLst>
       <p:ext uri="{BB962C8B-B14F-4D97-AF65-F5344CB8AC3E}">
-        <p14:creationId xmlns:p14="http://schemas.microsoft.com/office/powerpoint/2010/main" val="2400932945"/>
+        <p14:creationId xmlns:p14="http://schemas.microsoft.com/office/powerpoint/2010/main" val="894397682"/>
       </p:ext>
     </p:extLst>
   </p:cSld>
@@ -797,26 +781,9 @@
           <a:lstStyle/>
           <a:p>
             <a:r>
-              <a:rPr lang="en-US" dirty="0">
-                <a:highlight>
-                  <a:srgbClr val="FFFF00"/>
-                </a:highlight>
-              </a:rPr>
-              <a:t>Connect all these to RP</a:t>
-            </a:r>
-          </a:p>
-          <a:p>
-            <a:r>
-              <a:rPr lang="en-US" dirty="0">
-                <a:highlight>
-                  <a:srgbClr val="FFFF00"/>
-                </a:highlight>
-              </a:rPr>
-              <a:t>Bootstrapping ci in package</a:t>
-            </a:r>
-          </a:p>
-          <a:p>
-            <a:endParaRPr lang="en-US" dirty="0"/>
+              <a:rPr lang="en-US" dirty="0"/>
+              <a:t>The cheat sheet should have a high and low value RP for each metric.</a:t>
+            </a:r>
           </a:p>
         </p:txBody>
       </p:sp>
@@ -837,7 +804,7 @@
           <a:p>
             <a:fld id="{2E7BF10D-13F7-F046-B161-C24855EB3F81}" type="slidenum">
               <a:rPr lang="en-US" smtClean="0"/>
-              <a:t>20</a:t>
+              <a:t>25</a:t>
             </a:fld>
             <a:endParaRPr lang="en-US"/>
           </a:p>
@@ -846,7 +813,7 @@
     </p:spTree>
     <p:extLst>
       <p:ext uri="{BB962C8B-B14F-4D97-AF65-F5344CB8AC3E}">
-        <p14:creationId xmlns:p14="http://schemas.microsoft.com/office/powerpoint/2010/main" val="42471248"/>
+        <p14:creationId xmlns:p14="http://schemas.microsoft.com/office/powerpoint/2010/main" val="980630571"/>
       </p:ext>
     </p:extLst>
   </p:cSld>
@@ -900,10 +867,7 @@
           <a:bodyPr/>
           <a:lstStyle/>
           <a:p>
-            <a:r>
-              <a:rPr lang="en-US" dirty="0"/>
-              <a:t>The cheat sheet should have a high and low value RP for each metric.</a:t>
-            </a:r>
+            <a:endParaRPr lang="en-US"/>
           </a:p>
         </p:txBody>
       </p:sp>
@@ -922,9 +886,9 @@
           <a:bodyPr/>
           <a:lstStyle/>
           <a:p>
-            <a:fld id="{2E7BF10D-13F7-F046-B161-C24855EB3F81}" type="slidenum">
+            <a:fld id="{0DF37108-F5CC-AB45-B374-7C6C2C7B08B5}" type="slidenum">
               <a:rPr lang="en-US" smtClean="0"/>
-              <a:t>25</a:t>
+              <a:t>31</a:t>
             </a:fld>
             <a:endParaRPr lang="en-US"/>
           </a:p>
@@ -933,7 +897,7 @@
     </p:spTree>
     <p:extLst>
       <p:ext uri="{BB962C8B-B14F-4D97-AF65-F5344CB8AC3E}">
-        <p14:creationId xmlns:p14="http://schemas.microsoft.com/office/powerpoint/2010/main" val="894397682"/>
+        <p14:creationId xmlns:p14="http://schemas.microsoft.com/office/powerpoint/2010/main" val="4016173908"/>
       </p:ext>
     </p:extLst>
   </p:cSld>
@@ -987,93 +951,6 @@
           <a:bodyPr/>
           <a:lstStyle/>
           <a:p>
-            <a:r>
-              <a:rPr lang="en-US" dirty="0"/>
-              <a:t>The cheat sheet should have a high and low value RP for each metric.</a:t>
-            </a:r>
-          </a:p>
-        </p:txBody>
-      </p:sp>
-      <p:sp>
-        <p:nvSpPr>
-          <p:cNvPr id="4" name="Slide Number Placeholder 3"/>
-          <p:cNvSpPr>
-            <a:spLocks noGrp="1"/>
-          </p:cNvSpPr>
-          <p:nvPr>
-            <p:ph type="sldNum" sz="quarter" idx="5"/>
-          </p:nvPr>
-        </p:nvSpPr>
-        <p:spPr/>
-        <p:txBody>
-          <a:bodyPr/>
-          <a:lstStyle/>
-          <a:p>
-            <a:fld id="{2E7BF10D-13F7-F046-B161-C24855EB3F81}" type="slidenum">
-              <a:rPr lang="en-US" smtClean="0"/>
-              <a:t>26</a:t>
-            </a:fld>
-            <a:endParaRPr lang="en-US"/>
-          </a:p>
-        </p:txBody>
-      </p:sp>
-    </p:spTree>
-    <p:extLst>
-      <p:ext uri="{BB962C8B-B14F-4D97-AF65-F5344CB8AC3E}">
-        <p14:creationId xmlns:p14="http://schemas.microsoft.com/office/powerpoint/2010/main" val="980630571"/>
-      </p:ext>
-    </p:extLst>
-  </p:cSld>
-  <p:clrMapOvr>
-    <a:masterClrMapping/>
-  </p:clrMapOvr>
-</p:notes>
-</file>
-
-<file path=ppt/notesSlides/notesSlide14.xml><?xml version="1.0" encoding="utf-8"?>
-<p:notes xmlns:a="http://schemas.openxmlformats.org/drawingml/2006/main" xmlns:r="http://schemas.openxmlformats.org/officeDocument/2006/relationships" xmlns:p="http://schemas.openxmlformats.org/presentationml/2006/main">
-  <p:cSld>
-    <p:spTree>
-      <p:nvGrpSpPr>
-        <p:cNvPr id="1" name=""/>
-        <p:cNvGrpSpPr/>
-        <p:nvPr/>
-      </p:nvGrpSpPr>
-      <p:grpSpPr>
-        <a:xfrm>
-          <a:off x="0" y="0"/>
-          <a:ext cx="0" cy="0"/>
-          <a:chOff x="0" y="0"/>
-          <a:chExt cx="0" cy="0"/>
-        </a:xfrm>
-      </p:grpSpPr>
-      <p:sp>
-        <p:nvSpPr>
-          <p:cNvPr id="2" name="Slide Image Placeholder 1"/>
-          <p:cNvSpPr>
-            <a:spLocks noGrp="1" noRot="1" noChangeAspect="1"/>
-          </p:cNvSpPr>
-          <p:nvPr>
-            <p:ph type="sldImg"/>
-          </p:nvPr>
-        </p:nvSpPr>
-        <p:spPr/>
-      </p:sp>
-      <p:sp>
-        <p:nvSpPr>
-          <p:cNvPr id="3" name="Notes Placeholder 2"/>
-          <p:cNvSpPr>
-            <a:spLocks noGrp="1"/>
-          </p:cNvSpPr>
-          <p:nvPr>
-            <p:ph type="body" idx="1"/>
-          </p:nvPr>
-        </p:nvSpPr>
-        <p:spPr/>
-        <p:txBody>
-          <a:bodyPr/>
-          <a:lstStyle/>
-          <a:p>
             <a:endParaRPr lang="en-US"/>
           </a:p>
         </p:txBody>
@@ -1096,90 +973,6 @@
             <a:fld id="{0DF37108-F5CC-AB45-B374-7C6C2C7B08B5}" type="slidenum">
               <a:rPr lang="en-US" smtClean="0"/>
               <a:t>32</a:t>
-            </a:fld>
-            <a:endParaRPr lang="en-US"/>
-          </a:p>
-        </p:txBody>
-      </p:sp>
-    </p:spTree>
-    <p:extLst>
-      <p:ext uri="{BB962C8B-B14F-4D97-AF65-F5344CB8AC3E}">
-        <p14:creationId xmlns:p14="http://schemas.microsoft.com/office/powerpoint/2010/main" val="4016173908"/>
-      </p:ext>
-    </p:extLst>
-  </p:cSld>
-  <p:clrMapOvr>
-    <a:masterClrMapping/>
-  </p:clrMapOvr>
-</p:notes>
-</file>
-
-<file path=ppt/notesSlides/notesSlide15.xml><?xml version="1.0" encoding="utf-8"?>
-<p:notes xmlns:a="http://schemas.openxmlformats.org/drawingml/2006/main" xmlns:r="http://schemas.openxmlformats.org/officeDocument/2006/relationships" xmlns:p="http://schemas.openxmlformats.org/presentationml/2006/main">
-  <p:cSld>
-    <p:spTree>
-      <p:nvGrpSpPr>
-        <p:cNvPr id="1" name=""/>
-        <p:cNvGrpSpPr/>
-        <p:nvPr/>
-      </p:nvGrpSpPr>
-      <p:grpSpPr>
-        <a:xfrm>
-          <a:off x="0" y="0"/>
-          <a:ext cx="0" cy="0"/>
-          <a:chOff x="0" y="0"/>
-          <a:chExt cx="0" cy="0"/>
-        </a:xfrm>
-      </p:grpSpPr>
-      <p:sp>
-        <p:nvSpPr>
-          <p:cNvPr id="2" name="Slide Image Placeholder 1"/>
-          <p:cNvSpPr>
-            <a:spLocks noGrp="1" noRot="1" noChangeAspect="1"/>
-          </p:cNvSpPr>
-          <p:nvPr>
-            <p:ph type="sldImg"/>
-          </p:nvPr>
-        </p:nvSpPr>
-        <p:spPr/>
-      </p:sp>
-      <p:sp>
-        <p:nvSpPr>
-          <p:cNvPr id="3" name="Notes Placeholder 2"/>
-          <p:cNvSpPr>
-            <a:spLocks noGrp="1"/>
-          </p:cNvSpPr>
-          <p:nvPr>
-            <p:ph type="body" idx="1"/>
-          </p:nvPr>
-        </p:nvSpPr>
-        <p:spPr/>
-        <p:txBody>
-          <a:bodyPr/>
-          <a:lstStyle/>
-          <a:p>
-            <a:endParaRPr lang="en-US"/>
-          </a:p>
-        </p:txBody>
-      </p:sp>
-      <p:sp>
-        <p:nvSpPr>
-          <p:cNvPr id="4" name="Slide Number Placeholder 3"/>
-          <p:cNvSpPr>
-            <a:spLocks noGrp="1"/>
-          </p:cNvSpPr>
-          <p:nvPr>
-            <p:ph type="sldNum" sz="quarter" idx="5"/>
-          </p:nvPr>
-        </p:nvSpPr>
-        <p:spPr/>
-        <p:txBody>
-          <a:bodyPr/>
-          <a:lstStyle/>
-          <a:p>
-            <a:fld id="{0DF37108-F5CC-AB45-B374-7C6C2C7B08B5}" type="slidenum">
-              <a:rPr lang="en-US" smtClean="0"/>
-              <a:t>33</a:t>
             </a:fld>
             <a:endParaRPr lang="en-US"/>
           </a:p>
@@ -1242,30 +1035,10 @@
           <a:bodyPr/>
           <a:lstStyle/>
           <a:p>
-            <a:pPr marL="0" marR="0" lvl="0" indent="0" algn="l" defTabSz="914400" rtl="0" eaLnBrk="1" fontAlgn="auto" latinLnBrk="0" hangingPunct="1">
-              <a:lnSpc>
-                <a:spcPct val="100000"/>
-              </a:lnSpc>
-              <a:spcBef>
-                <a:spcPts val="0"/>
-              </a:spcBef>
-              <a:spcAft>
-                <a:spcPts val="0"/>
-              </a:spcAft>
-              <a:buClrTx/>
-              <a:buSzTx/>
-              <a:buFontTx/>
-              <a:buNone/>
-              <a:tabLst/>
-              <a:defRPr/>
-            </a:pPr>
             <a:r>
               <a:rPr lang="en-US" dirty="0"/>
               <a:t>This slide is in the Tuesday morning stack</a:t>
             </a:r>
-          </a:p>
-          <a:p>
-            <a:endParaRPr lang="en-US" dirty="0"/>
           </a:p>
         </p:txBody>
       </p:sp>
@@ -1295,7 +1068,7 @@
     </p:spTree>
     <p:extLst>
       <p:ext uri="{BB962C8B-B14F-4D97-AF65-F5344CB8AC3E}">
-        <p14:creationId xmlns:p14="http://schemas.microsoft.com/office/powerpoint/2010/main" val="1494497507"/>
+        <p14:creationId xmlns:p14="http://schemas.microsoft.com/office/powerpoint/2010/main" val="1729771684"/>
       </p:ext>
     </p:extLst>
   </p:cSld>
@@ -1349,30 +1122,10 @@
           <a:bodyPr/>
           <a:lstStyle/>
           <a:p>
-            <a:pPr marL="0" marR="0" lvl="0" indent="0" algn="l" defTabSz="914400" rtl="0" eaLnBrk="1" fontAlgn="auto" latinLnBrk="0" hangingPunct="1">
-              <a:lnSpc>
-                <a:spcPct val="100000"/>
-              </a:lnSpc>
-              <a:spcBef>
-                <a:spcPts val="0"/>
-              </a:spcBef>
-              <a:spcAft>
-                <a:spcPts val="0"/>
-              </a:spcAft>
-              <a:buClrTx/>
-              <a:buSzTx/>
-              <a:buFontTx/>
-              <a:buNone/>
-              <a:tabLst/>
-              <a:defRPr/>
-            </a:pPr>
-            <a:r>
-              <a:rPr lang="en-US" dirty="0"/>
-              <a:t>This slide is in the Tuesday morning stack</a:t>
-            </a:r>
-          </a:p>
-          <a:p>
-            <a:endParaRPr lang="en-US" dirty="0"/>
+            <a:r>
+              <a:rPr lang="en-US" dirty="0"/>
+              <a:t>Need to do OD????</a:t>
+            </a:r>
           </a:p>
         </p:txBody>
       </p:sp>
@@ -1391,9 +1144,9 @@
           <a:bodyPr/>
           <a:lstStyle/>
           <a:p>
-            <a:fld id="{575AE61D-4600-0F46-A5E1-89A0351938A8}" type="slidenum">
+            <a:fld id="{0DF37108-F5CC-AB45-B374-7C6C2C7B08B5}" type="slidenum">
               <a:rPr lang="en-US" smtClean="0"/>
-              <a:t>4</a:t>
+              <a:t>8</a:t>
             </a:fld>
             <a:endParaRPr lang="en-US"/>
           </a:p>
@@ -1402,7 +1155,7 @@
     </p:spTree>
     <p:extLst>
       <p:ext uri="{BB962C8B-B14F-4D97-AF65-F5344CB8AC3E}">
-        <p14:creationId xmlns:p14="http://schemas.microsoft.com/office/powerpoint/2010/main" val="2661667130"/>
+        <p14:creationId xmlns:p14="http://schemas.microsoft.com/office/powerpoint/2010/main" val="3697093569"/>
       </p:ext>
     </p:extLst>
   </p:cSld>
@@ -1458,7 +1211,7 @@
           <a:p>
             <a:r>
               <a:rPr lang="en-US" dirty="0"/>
-              <a:t>This slide is in the Tuesday morning stack</a:t>
+              <a:t>9:45-10:00</a:t>
             </a:r>
           </a:p>
         </p:txBody>
@@ -1478,9 +1231,9 @@
           <a:bodyPr/>
           <a:lstStyle/>
           <a:p>
-            <a:fld id="{575AE61D-4600-0F46-A5E1-89A0351938A8}" type="slidenum">
+            <a:fld id="{0DF37108-F5CC-AB45-B374-7C6C2C7B08B5}" type="slidenum">
               <a:rPr lang="en-US" smtClean="0"/>
-              <a:t>5</a:t>
+              <a:t>12</a:t>
             </a:fld>
             <a:endParaRPr lang="en-US"/>
           </a:p>
@@ -1489,7 +1242,7 @@
     </p:spTree>
     <p:extLst>
       <p:ext uri="{BB962C8B-B14F-4D97-AF65-F5344CB8AC3E}">
-        <p14:creationId xmlns:p14="http://schemas.microsoft.com/office/powerpoint/2010/main" val="1729771684"/>
+        <p14:creationId xmlns:p14="http://schemas.microsoft.com/office/powerpoint/2010/main" val="3305096852"/>
       </p:ext>
     </p:extLst>
   </p:cSld>
@@ -1543,10 +1296,7 @@
           <a:bodyPr/>
           <a:lstStyle/>
           <a:p>
-            <a:r>
-              <a:rPr lang="en-US" dirty="0"/>
-              <a:t>Need to do OD????</a:t>
-            </a:r>
+            <a:endParaRPr lang="en-US" dirty="0"/>
           </a:p>
         </p:txBody>
       </p:sp>
@@ -1567,7 +1317,7 @@
           <a:p>
             <a:fld id="{0DF37108-F5CC-AB45-B374-7C6C2C7B08B5}" type="slidenum">
               <a:rPr lang="en-US" smtClean="0"/>
-              <a:t>10</a:t>
+              <a:t>15</a:t>
             </a:fld>
             <a:endParaRPr lang="en-US"/>
           </a:p>
@@ -1576,7 +1326,7 @@
     </p:spTree>
     <p:extLst>
       <p:ext uri="{BB962C8B-B14F-4D97-AF65-F5344CB8AC3E}">
-        <p14:creationId xmlns:p14="http://schemas.microsoft.com/office/powerpoint/2010/main" val="3697093569"/>
+        <p14:creationId xmlns:p14="http://schemas.microsoft.com/office/powerpoint/2010/main" val="1226701231"/>
       </p:ext>
     </p:extLst>
   </p:cSld>
@@ -1632,7 +1382,15 @@
           <a:p>
             <a:r>
               <a:rPr lang="en-US" dirty="0"/>
-              <a:t>9:45-10:00</a:t>
+              <a:t>RQA </a:t>
+            </a:r>
+            <a:r>
+              <a:rPr lang="en-US" dirty="0" err="1"/>
+              <a:t>example.Rmd</a:t>
+            </a:r>
+            <a:r>
+              <a:rPr lang="en-US" dirty="0"/>
+              <a:t> has all of the parameters necessary.</a:t>
             </a:r>
           </a:p>
         </p:txBody>
@@ -1654,7 +1412,7 @@
           <a:p>
             <a:fld id="{0DF37108-F5CC-AB45-B374-7C6C2C7B08B5}" type="slidenum">
               <a:rPr lang="en-US" smtClean="0"/>
-              <a:t>14</a:t>
+              <a:t>16</a:t>
             </a:fld>
             <a:endParaRPr lang="en-US"/>
           </a:p>
@@ -1663,7 +1421,7 @@
     </p:spTree>
     <p:extLst>
       <p:ext uri="{BB962C8B-B14F-4D97-AF65-F5344CB8AC3E}">
-        <p14:creationId xmlns:p14="http://schemas.microsoft.com/office/powerpoint/2010/main" val="3305096852"/>
+        <p14:creationId xmlns:p14="http://schemas.microsoft.com/office/powerpoint/2010/main" val="3382351709"/>
       </p:ext>
     </p:extLst>
   </p:cSld>
@@ -1717,7 +1475,10 @@
           <a:bodyPr/>
           <a:lstStyle/>
           <a:p>
-            <a:endParaRPr lang="en-US" dirty="0"/>
+            <a:r>
+              <a:rPr lang="en-US" dirty="0"/>
+              <a:t>Need to do each of these and annotate them in the file.</a:t>
+            </a:r>
           </a:p>
         </p:txBody>
       </p:sp>
@@ -1738,7 +1499,7 @@
           <a:p>
             <a:fld id="{0DF37108-F5CC-AB45-B374-7C6C2C7B08B5}" type="slidenum">
               <a:rPr lang="en-US" smtClean="0"/>
-              <a:t>16</a:t>
+              <a:t>17</a:t>
             </a:fld>
             <a:endParaRPr lang="en-US"/>
           </a:p>
@@ -1747,7 +1508,7 @@
     </p:spTree>
     <p:extLst>
       <p:ext uri="{BB962C8B-B14F-4D97-AF65-F5344CB8AC3E}">
-        <p14:creationId xmlns:p14="http://schemas.microsoft.com/office/powerpoint/2010/main" val="1226701231"/>
+        <p14:creationId xmlns:p14="http://schemas.microsoft.com/office/powerpoint/2010/main" val="2184682333"/>
       </p:ext>
     </p:extLst>
   </p:cSld>
@@ -1802,17 +1563,24 @@
           <a:lstStyle/>
           <a:p>
             <a:r>
-              <a:rPr lang="en-US" dirty="0"/>
-              <a:t>RQA </a:t>
-            </a:r>
-            <a:r>
-              <a:rPr lang="en-US" dirty="0" err="1"/>
-              <a:t>example.Rmd</a:t>
-            </a:r>
-            <a:r>
-              <a:rPr lang="en-US" dirty="0"/>
-              <a:t> has all of the parameters necessary.</a:t>
-            </a:r>
+              <a:rPr lang="en-US">
+                <a:highlight>
+                  <a:srgbClr val="FFFF00"/>
+                </a:highlight>
+              </a:rPr>
+              <a:t>Bootstrapping </a:t>
+            </a:r>
+            <a:r>
+              <a:rPr lang="en-US" dirty="0">
+                <a:highlight>
+                  <a:srgbClr val="FFFF00"/>
+                </a:highlight>
+              </a:rPr>
+              <a:t>ci in package</a:t>
+            </a:r>
+          </a:p>
+          <a:p>
+            <a:endParaRPr lang="en-US" dirty="0"/>
           </a:p>
         </p:txBody>
       </p:sp>
@@ -1831,9 +1599,9 @@
           <a:bodyPr/>
           <a:lstStyle/>
           <a:p>
-            <a:fld id="{0DF37108-F5CC-AB45-B374-7C6C2C7B08B5}" type="slidenum">
+            <a:fld id="{2E7BF10D-13F7-F046-B161-C24855EB3F81}" type="slidenum">
               <a:rPr lang="en-US" smtClean="0"/>
-              <a:t>17</a:t>
+              <a:t>18</a:t>
             </a:fld>
             <a:endParaRPr lang="en-US"/>
           </a:p>
@@ -1842,7 +1610,7 @@
     </p:spTree>
     <p:extLst>
       <p:ext uri="{BB962C8B-B14F-4D97-AF65-F5344CB8AC3E}">
-        <p14:creationId xmlns:p14="http://schemas.microsoft.com/office/powerpoint/2010/main" val="3382351709"/>
+        <p14:creationId xmlns:p14="http://schemas.microsoft.com/office/powerpoint/2010/main" val="2400932945"/>
       </p:ext>
     </p:extLst>
   </p:cSld>
@@ -1897,9 +1665,26 @@
           <a:lstStyle/>
           <a:p>
             <a:r>
-              <a:rPr lang="en-US" dirty="0"/>
-              <a:t>Need to do each of these and annotate them in the file.</a:t>
-            </a:r>
+              <a:rPr lang="en-US" dirty="0">
+                <a:highlight>
+                  <a:srgbClr val="FFFF00"/>
+                </a:highlight>
+              </a:rPr>
+              <a:t>Connect all these to RP</a:t>
+            </a:r>
+          </a:p>
+          <a:p>
+            <a:r>
+              <a:rPr lang="en-US" dirty="0">
+                <a:highlight>
+                  <a:srgbClr val="FFFF00"/>
+                </a:highlight>
+              </a:rPr>
+              <a:t>Bootstrapping ci in package</a:t>
+            </a:r>
+          </a:p>
+          <a:p>
+            <a:endParaRPr lang="en-US" dirty="0"/>
           </a:p>
         </p:txBody>
       </p:sp>
@@ -1918,9 +1703,9 @@
           <a:bodyPr/>
           <a:lstStyle/>
           <a:p>
-            <a:fld id="{0DF37108-F5CC-AB45-B374-7C6C2C7B08B5}" type="slidenum">
+            <a:fld id="{2E7BF10D-13F7-F046-B161-C24855EB3F81}" type="slidenum">
               <a:rPr lang="en-US" smtClean="0"/>
-              <a:t>18</a:t>
+              <a:t>19</a:t>
             </a:fld>
             <a:endParaRPr lang="en-US"/>
           </a:p>
@@ -1929,7 +1714,7 @@
     </p:spTree>
     <p:extLst>
       <p:ext uri="{BB962C8B-B14F-4D97-AF65-F5344CB8AC3E}">
-        <p14:creationId xmlns:p14="http://schemas.microsoft.com/office/powerpoint/2010/main" val="2184682333"/>
+        <p14:creationId xmlns:p14="http://schemas.microsoft.com/office/powerpoint/2010/main" val="42471248"/>
       </p:ext>
     </p:extLst>
   </p:cSld>
@@ -2343,7 +2128,7 @@
           <a:p>
             <a:fld id="{8858C042-55F6-4044-A4DE-B4FCA7C0AD86}" type="datetimeFigureOut">
               <a:rPr lang="en-US" smtClean="0"/>
-              <a:t>5/3/22</a:t>
+              <a:t>5/16/22</a:t>
             </a:fld>
             <a:endParaRPr lang="en-US" dirty="0"/>
           </a:p>
@@ -2905,7 +2690,7 @@
           <a:p>
             <a:fld id="{8858C042-55F6-4044-A4DE-B4FCA7C0AD86}" type="datetimeFigureOut">
               <a:rPr lang="en-US" smtClean="0"/>
-              <a:t>5/3/22</a:t>
+              <a:t>5/16/22</a:t>
             </a:fld>
             <a:endParaRPr lang="en-US" dirty="0"/>
           </a:p>
@@ -3438,7 +3223,7 @@
           <a:p>
             <a:fld id="{8858C042-55F6-4044-A4DE-B4FCA7C0AD86}" type="datetimeFigureOut">
               <a:rPr lang="en-US" smtClean="0"/>
-              <a:t>5/3/22</a:t>
+              <a:t>5/16/22</a:t>
             </a:fld>
             <a:endParaRPr lang="en-US" dirty="0"/>
           </a:p>
@@ -3625,7 +3410,7 @@
           <a:p>
             <a:fld id="{8858C042-55F6-4044-A4DE-B4FCA7C0AD86}" type="datetimeFigureOut">
               <a:rPr lang="en-US" smtClean="0"/>
-              <a:t>5/3/22</a:t>
+              <a:t>5/16/22</a:t>
             </a:fld>
             <a:endParaRPr lang="en-US" dirty="0"/>
           </a:p>
@@ -4038,7 +3823,7 @@
           <a:p>
             <a:fld id="{8858C042-55F6-4044-A4DE-B4FCA7C0AD86}" type="datetimeFigureOut">
               <a:rPr lang="en-US" smtClean="0"/>
-              <a:t>5/3/22</a:t>
+              <a:t>5/16/22</a:t>
             </a:fld>
             <a:endParaRPr lang="en-US" dirty="0"/>
           </a:p>
@@ -4313,7 +4098,7 @@
           <a:p>
             <a:fld id="{8858C042-55F6-4044-A4DE-B4FCA7C0AD86}" type="datetimeFigureOut">
               <a:rPr lang="en-US" smtClean="0"/>
-              <a:t>5/3/22</a:t>
+              <a:t>5/16/22</a:t>
             </a:fld>
             <a:endParaRPr lang="en-US" dirty="0"/>
           </a:p>
@@ -5053,7 +4838,7 @@
           <a:p>
             <a:fld id="{8858C042-55F6-4044-A4DE-B4FCA7C0AD86}" type="datetimeFigureOut">
               <a:rPr lang="en-US" smtClean="0"/>
-              <a:t>5/3/22</a:t>
+              <a:t>5/16/22</a:t>
             </a:fld>
             <a:endParaRPr lang="en-US"/>
           </a:p>
@@ -5563,7 +5348,7 @@
           <p:cNvPr id="2" name="Title 1">
             <a:extLst>
               <a:ext uri="{FF2B5EF4-FFF2-40B4-BE49-F238E27FC236}">
-                <a16:creationId xmlns:a16="http://schemas.microsoft.com/office/drawing/2014/main" id="{E5299276-A810-5B46-BC7C-511AB1093EC9}"/>
+                <a16:creationId xmlns:a16="http://schemas.microsoft.com/office/drawing/2014/main" id="{53EA9F9E-188B-9402-2E1F-3C64943365AD}"/>
               </a:ext>
             </a:extLst>
           </p:cNvPr>
@@ -5581,11 +5366,11 @@
           <a:p>
             <a:r>
               <a:rPr lang="en-US" dirty="0"/>
-              <a:t>Fitting Power Law to Data				</a:t>
+              <a:t>Developing Example						</a:t>
             </a:r>
             <a:r>
               <a:rPr lang="en-US" sz="2000" dirty="0"/>
-              <a:t>(9:20)</a:t>
+              <a:t>(9:40)</a:t>
             </a:r>
           </a:p>
         </p:txBody>
@@ -5595,7 +5380,7 @@
           <p:cNvPr id="3" name="Content Placeholder 2">
             <a:extLst>
               <a:ext uri="{FF2B5EF4-FFF2-40B4-BE49-F238E27FC236}">
-                <a16:creationId xmlns:a16="http://schemas.microsoft.com/office/drawing/2014/main" id="{97561536-3D7E-B143-BCAF-05107B81D015}"/>
+                <a16:creationId xmlns:a16="http://schemas.microsoft.com/office/drawing/2014/main" id="{355D61AF-4E8C-DCA1-0711-8D87F0464DB4}"/>
               </a:ext>
             </a:extLst>
           </p:cNvPr>
@@ -5613,100 +5398,52 @@
           <a:p>
             <a:r>
               <a:rPr lang="en-US" dirty="0"/>
-              <a:t>The gold standard: </a:t>
-            </a:r>
-            <a:r>
-              <a:rPr lang="en-US" dirty="0" err="1"/>
-              <a:t>Clauset</a:t>
-            </a:r>
-            <a:r>
-              <a:rPr lang="en-US" dirty="0"/>
-              <a:t> et al. (2009)</a:t>
+              <a:t>Compare NDSMacro1 to NDSMacro2</a:t>
             </a:r>
           </a:p>
           <a:p>
             <a:pPr lvl="1"/>
             <a:r>
               <a:rPr lang="en-US" dirty="0"/>
-              <a:t>Package </a:t>
-            </a:r>
-            <a:r>
-              <a:rPr lang="en-US" dirty="0" err="1">
-                <a:latin typeface="Consolas" panose="020B0609020204030204" pitchFamily="49" charset="0"/>
-                <a:cs typeface="Consolas" panose="020B0609020204030204" pitchFamily="49" charset="0"/>
-              </a:rPr>
-              <a:t>poweRlaw</a:t>
-            </a:r>
-            <a:endParaRPr lang="en-US" dirty="0">
-              <a:latin typeface="Consolas" panose="020B0609020204030204" pitchFamily="49" charset="0"/>
-              <a:cs typeface="Consolas" panose="020B0609020204030204" pitchFamily="49" charset="0"/>
-            </a:endParaRPr>
+              <a:t>Same small group, but days later</a:t>
+            </a:r>
           </a:p>
           <a:p>
             <a:pPr lvl="1"/>
             <a:r>
               <a:rPr lang="en-US" dirty="0"/>
-              <a:t>This is embedded in </a:t>
-            </a:r>
-            <a:r>
-              <a:rPr lang="en-US" dirty="0" err="1">
-                <a:latin typeface="Consolas" panose="020B0609020204030204" pitchFamily="49" charset="0"/>
-                <a:cs typeface="Consolas" panose="020B0609020204030204" pitchFamily="49" charset="0"/>
-              </a:rPr>
-              <a:t>IPL_fit</a:t>
-            </a:r>
-            <a:r>
-              <a:rPr lang="en-US" dirty="0">
-                <a:latin typeface="Consolas" panose="020B0609020204030204" pitchFamily="49" charset="0"/>
-                <a:cs typeface="Consolas" panose="020B0609020204030204" pitchFamily="49" charset="0"/>
-              </a:rPr>
-              <a:t>()</a:t>
-            </a:r>
-          </a:p>
-          <a:p>
-            <a:r>
-              <a:rPr lang="en-US" dirty="0" err="1">
-                <a:latin typeface="Consolas" panose="020B0609020204030204" pitchFamily="49" charset="0"/>
-                <a:cs typeface="Consolas" panose="020B0609020204030204" pitchFamily="49" charset="0"/>
-              </a:rPr>
-              <a:t>IPL_fit</a:t>
-            </a:r>
-            <a:r>
-              <a:rPr lang="en-US" dirty="0">
-                <a:latin typeface="Consolas" panose="020B0609020204030204" pitchFamily="49" charset="0"/>
-                <a:cs typeface="Consolas" panose="020B0609020204030204" pitchFamily="49" charset="0"/>
-              </a:rPr>
-              <a:t>(…)</a:t>
-            </a:r>
-          </a:p>
-          <a:p>
-            <a:pPr lvl="1"/>
-            <a:r>
-              <a:rPr lang="en-US" dirty="0"/>
-              <a:t>Use orbital decomposition, </a:t>
-            </a:r>
-            <a:r>
-              <a:rPr lang="en-US" dirty="0" err="1">
-                <a:latin typeface="Consolas" panose="020B0609020204030204" pitchFamily="49" charset="0"/>
-                <a:cs typeface="Consolas" panose="020B0609020204030204" pitchFamily="49" charset="0"/>
-              </a:rPr>
-              <a:t>orbde</a:t>
-            </a:r>
-            <a:r>
-              <a:rPr lang="en-US" dirty="0">
-                <a:latin typeface="Consolas" panose="020B0609020204030204" pitchFamily="49" charset="0"/>
-                <a:cs typeface="Consolas" panose="020B0609020204030204" pitchFamily="49" charset="0"/>
-              </a:rPr>
-              <a:t>()</a:t>
-            </a:r>
-            <a:r>
-              <a:rPr lang="en-US" dirty="0"/>
-              <a:t>, first to determine appropriate scale, </a:t>
+              <a:t>Which </a:t>
             </a:r>
             <a:r>
               <a:rPr lang="en-US" i="1" dirty="0"/>
               <a:t>C</a:t>
             </a:r>
+            <a:r>
+              <a:rPr lang="en-US" dirty="0"/>
+              <a:t> should be used?</a:t>
+            </a:r>
+          </a:p>
+          <a:p>
+            <a:r>
+              <a:rPr lang="en-US" dirty="0"/>
+              <a:t>Interpretation:</a:t>
+            </a:r>
+          </a:p>
+          <a:p>
+            <a:pPr lvl="1"/>
+            <a:r>
+              <a:rPr lang="en-US" dirty="0"/>
+              <a:t>Goldilocks?</a:t>
+            </a:r>
+          </a:p>
+          <a:p>
+            <a:pPr lvl="1"/>
+            <a:r>
+              <a:rPr lang="en-US" dirty="0"/>
+              <a:t>Change over time?</a:t>
+            </a:r>
+          </a:p>
+          <a:p>
             <a:endParaRPr lang="en-US" dirty="0"/>
           </a:p>
         </p:txBody>
@@ -5714,7 +5451,7 @@
     </p:spTree>
     <p:extLst>
       <p:ext uri="{BB962C8B-B14F-4D97-AF65-F5344CB8AC3E}">
-        <p14:creationId xmlns:p14="http://schemas.microsoft.com/office/powerpoint/2010/main" val="2038387199"/>
+        <p14:creationId xmlns:p14="http://schemas.microsoft.com/office/powerpoint/2010/main" val="2264272879"/>
       </p:ext>
     </p:extLst>
   </p:cSld>
@@ -5746,7 +5483,7 @@
           <p:cNvPr id="2" name="Title 1">
             <a:extLst>
               <a:ext uri="{FF2B5EF4-FFF2-40B4-BE49-F238E27FC236}">
-                <a16:creationId xmlns:a16="http://schemas.microsoft.com/office/drawing/2014/main" id="{7D1BE2F5-882B-5A41-8111-3AADE37A54BD}"/>
+                <a16:creationId xmlns:a16="http://schemas.microsoft.com/office/drawing/2014/main" id="{70EEECB6-BCC9-656F-7798-672545A6ABB6}"/>
               </a:ext>
             </a:extLst>
           </p:cNvPr>
@@ -5764,11 +5501,11 @@
           <a:p>
             <a:r>
               <a:rPr lang="en-US" dirty="0"/>
-              <a:t>Example									</a:t>
+              <a:t>CYO &amp; Discuss							</a:t>
             </a:r>
             <a:r>
               <a:rPr lang="en-US" sz="2000" dirty="0"/>
-              <a:t>(9:25)</a:t>
+              <a:t>(9:45)</a:t>
             </a:r>
           </a:p>
         </p:txBody>
@@ -5778,7 +5515,7 @@
           <p:cNvPr id="3" name="Content Placeholder 2">
             <a:extLst>
               <a:ext uri="{FF2B5EF4-FFF2-40B4-BE49-F238E27FC236}">
-                <a16:creationId xmlns:a16="http://schemas.microsoft.com/office/drawing/2014/main" id="{32382601-42E2-F04E-8F3F-9709FB53457F}"/>
+                <a16:creationId xmlns:a16="http://schemas.microsoft.com/office/drawing/2014/main" id="{D55BAC29-4E7E-A67E-3756-10CF930BBB4A}"/>
               </a:ext>
             </a:extLst>
           </p:cNvPr>
@@ -5791,183 +5528,57 @@
         </p:nvSpPr>
         <p:spPr/>
         <p:txBody>
-          <a:bodyPr>
-            <a:normAutofit/>
-          </a:bodyPr>
+          <a:bodyPr/>
           <a:lstStyle/>
           <a:p>
             <a:r>
               <a:rPr lang="en-US" dirty="0"/>
-              <a:t>Example (RJ data)</a:t>
+              <a:t>NDSMacro3 and NDSMacro4</a:t>
             </a:r>
           </a:p>
           <a:p>
             <a:pPr lvl="1"/>
             <a:r>
-              <a:rPr lang="en-US" dirty="0" err="1">
-                <a:latin typeface="Consolas" panose="020B0609020204030204" pitchFamily="49" charset="0"/>
-                <a:cs typeface="Consolas" panose="020B0609020204030204" pitchFamily="49" charset="0"/>
-              </a:rPr>
-              <a:t>orbde</a:t>
-            </a:r>
-            <a:r>
-              <a:rPr lang="en-US" dirty="0">
-                <a:latin typeface="Consolas" panose="020B0609020204030204" pitchFamily="49" charset="0"/>
-                <a:cs typeface="Consolas" panose="020B0609020204030204" pitchFamily="49" charset="0"/>
-              </a:rPr>
-              <a:t>(pull(</a:t>
-            </a:r>
-            <a:r>
-              <a:rPr lang="en-US" dirty="0" err="1">
-                <a:latin typeface="Consolas" panose="020B0609020204030204" pitchFamily="49" charset="0"/>
-                <a:cs typeface="Consolas" panose="020B0609020204030204" pitchFamily="49" charset="0"/>
-              </a:rPr>
-              <a:t>read.csv</a:t>
-            </a:r>
-            <a:r>
-              <a:rPr lang="en-US" dirty="0">
-                <a:latin typeface="Consolas" panose="020B0609020204030204" pitchFamily="49" charset="0"/>
-                <a:cs typeface="Consolas" panose="020B0609020204030204" pitchFamily="49" charset="0"/>
-              </a:rPr>
-              <a:t>("https://bit.ly/NDSMacro1")))</a:t>
+              <a:rPr lang="en-US" dirty="0"/>
+              <a:t>Two days from a small group</a:t>
             </a:r>
           </a:p>
           <a:p>
             <a:pPr lvl="2"/>
             <a:r>
               <a:rPr lang="en-US" dirty="0"/>
-              <a:t>Find </a:t>
-            </a:r>
-            <a:r>
-              <a:rPr lang="en-US" i="1" dirty="0"/>
-              <a:t>C</a:t>
+              <a:t>Same class and days as NDSMacro1 and NDSMacro2, but different group</a:t>
             </a:r>
           </a:p>
           <a:p>
             <a:pPr lvl="1"/>
             <a:r>
-              <a:rPr lang="en-US" dirty="0" err="1">
-                <a:latin typeface="Consolas" panose="020B0609020204030204" pitchFamily="49" charset="0"/>
-                <a:cs typeface="Consolas" panose="020B0609020204030204" pitchFamily="49" charset="0"/>
-              </a:rPr>
-              <a:t>IPL_fit</a:t>
-            </a:r>
-            <a:r>
-              <a:rPr lang="en-US" dirty="0">
-                <a:latin typeface="Consolas" panose="020B0609020204030204" pitchFamily="49" charset="0"/>
-                <a:cs typeface="Consolas" panose="020B0609020204030204" pitchFamily="49" charset="0"/>
-              </a:rPr>
-              <a:t>(pull(</a:t>
-            </a:r>
-            <a:r>
-              <a:rPr lang="en-US" dirty="0" err="1">
-                <a:latin typeface="Consolas" panose="020B0609020204030204" pitchFamily="49" charset="0"/>
-                <a:cs typeface="Consolas" panose="020B0609020204030204" pitchFamily="49" charset="0"/>
-              </a:rPr>
-              <a:t>read.csv</a:t>
-            </a:r>
-            <a:r>
-              <a:rPr lang="en-US" dirty="0">
-                <a:latin typeface="Consolas" panose="020B0609020204030204" pitchFamily="49" charset="0"/>
-                <a:cs typeface="Consolas" panose="020B0609020204030204" pitchFamily="49" charset="0"/>
-              </a:rPr>
-              <a:t>(https://bit.ly/NDSMacro1)),</a:t>
-            </a:r>
-          </a:p>
-          <a:p>
-            <a:pPr marL="457200" lvl="1" indent="0">
-              <a:buNone/>
-            </a:pPr>
-            <a:r>
-              <a:rPr lang="en-US" i="1" dirty="0">
-                <a:latin typeface="Consolas" panose="020B0609020204030204" pitchFamily="49" charset="0"/>
-                <a:cs typeface="Consolas" panose="020B0609020204030204" pitchFamily="49" charset="0"/>
-              </a:rPr>
-              <a:t>         &lt;put C here&gt;</a:t>
-            </a:r>
-            <a:r>
-              <a:rPr lang="en-US" dirty="0">
-                <a:latin typeface="Consolas" panose="020B0609020204030204" pitchFamily="49" charset="0"/>
-                <a:cs typeface="Consolas" panose="020B0609020204030204" pitchFamily="49" charset="0"/>
-              </a:rPr>
-              <a:t>)</a:t>
-            </a:r>
-            <a:endParaRPr lang="en-US" dirty="0"/>
-          </a:p>
-          <a:p>
-            <a:r>
-              <a:rPr lang="en-US" dirty="0"/>
-              <a:t>Interpretation</a:t>
+              <a:rPr lang="en-US" dirty="0"/>
+              <a:t>Compare to each other and to NDSMacro1 and NDSMacro2</a:t>
+            </a:r>
+          </a:p>
+          <a:p>
+            <a:r>
+              <a:rPr lang="en-US" dirty="0"/>
+              <a:t>NDSAFAR</a:t>
             </a:r>
           </a:p>
           <a:p>
             <a:pPr lvl="1"/>
             <a:r>
               <a:rPr lang="en-US" dirty="0"/>
-              <a:t>Method: </a:t>
-            </a:r>
-            <a:r>
-              <a:rPr lang="en-US" i="1" dirty="0"/>
-              <a:t>C</a:t>
-            </a:r>
-            <a:r>
-              <a:rPr lang="en-US" dirty="0"/>
-              <a:t> or </a:t>
-            </a:r>
-            <a:r>
-              <a:rPr lang="en-US" i="1" dirty="0"/>
-              <a:t>L</a:t>
-            </a:r>
-            <a:r>
-              <a:rPr lang="en-US" dirty="0"/>
-              <a:t> (</a:t>
-            </a:r>
-            <a:r>
-              <a:rPr lang="en-US" dirty="0" err="1"/>
-              <a:t>Clauset</a:t>
-            </a:r>
-            <a:r>
-              <a:rPr lang="en-US" dirty="0"/>
-              <a:t> or log-log)</a:t>
-            </a:r>
-            <a:endParaRPr lang="en-US" i="1" dirty="0"/>
+              <a:t>Sequence of facial affects from a self video</a:t>
+            </a:r>
           </a:p>
           <a:p>
             <a:pPr lvl="1"/>
             <a:r>
               <a:rPr lang="en-US" dirty="0"/>
-              <a:t>Shape parameter (exponent)</a:t>
+              <a:t>“AFAR” – Automatic Facial Affect Recognition</a:t>
             </a:r>
           </a:p>
           <a:p>
             <a:pPr lvl="1"/>
-            <a:r>
-              <a:rPr lang="en-US" i="1" dirty="0"/>
-              <a:t>R</a:t>
-            </a:r>
-            <a:r>
-              <a:rPr lang="en-US" i="1" baseline="30000" dirty="0"/>
-              <a:t>2</a:t>
-            </a:r>
-            <a:r>
-              <a:rPr lang="en-US" dirty="0"/>
-              <a:t> (goodness of fit)</a:t>
-            </a:r>
-            <a:endParaRPr lang="en-US" i="1" baseline="30000" dirty="0"/>
-          </a:p>
-          <a:p>
-            <a:pPr marL="0" indent="0">
-              <a:buNone/>
-            </a:pPr>
-            <a:endParaRPr lang="en-US" dirty="0"/>
-          </a:p>
-          <a:p>
-            <a:pPr marL="0" indent="0">
-              <a:buNone/>
-            </a:pPr>
-            <a:endParaRPr lang="en-US" dirty="0"/>
-          </a:p>
-          <a:p>
             <a:endParaRPr lang="en-US" dirty="0"/>
           </a:p>
         </p:txBody>
@@ -5975,7 +5586,7 @@
     </p:spTree>
     <p:extLst>
       <p:ext uri="{BB962C8B-B14F-4D97-AF65-F5344CB8AC3E}">
-        <p14:creationId xmlns:p14="http://schemas.microsoft.com/office/powerpoint/2010/main" val="1773803306"/>
+        <p14:creationId xmlns:p14="http://schemas.microsoft.com/office/powerpoint/2010/main" val="3459172610"/>
       </p:ext>
     </p:extLst>
   </p:cSld>
@@ -6007,7 +5618,7 @@
           <p:cNvPr id="2" name="Title 1">
             <a:extLst>
               <a:ext uri="{FF2B5EF4-FFF2-40B4-BE49-F238E27FC236}">
-                <a16:creationId xmlns:a16="http://schemas.microsoft.com/office/drawing/2014/main" id="{53EA9F9E-188B-9402-2E1F-3C64943365AD}"/>
+                <a16:creationId xmlns:a16="http://schemas.microsoft.com/office/drawing/2014/main" id="{2B0D84F3-F212-894C-AED2-727F8B6AB0B2}"/>
               </a:ext>
             </a:extLst>
           </p:cNvPr>
@@ -6025,29 +5636,29 @@
           <a:p>
             <a:r>
               <a:rPr lang="en-US" dirty="0"/>
-              <a:t>Developing Example						</a:t>
+              <a:t>Break							</a:t>
             </a:r>
             <a:r>
               <a:rPr lang="en-US" sz="2000" dirty="0"/>
-              <a:t>(9:35)</a:t>
-            </a:r>
-          </a:p>
-        </p:txBody>
-      </p:sp>
-      <p:sp>
-        <p:nvSpPr>
-          <p:cNvPr id="3" name="Content Placeholder 2">
-            <a:extLst>
-              <a:ext uri="{FF2B5EF4-FFF2-40B4-BE49-F238E27FC236}">
-                <a16:creationId xmlns:a16="http://schemas.microsoft.com/office/drawing/2014/main" id="{355D61AF-4E8C-DCA1-0711-8D87F0464DB4}"/>
-              </a:ext>
-            </a:extLst>
-          </p:cNvPr>
-          <p:cNvSpPr>
-            <a:spLocks noGrp="1"/>
-          </p:cNvSpPr>
-          <p:nvPr>
-            <p:ph idx="1"/>
+              <a:t>(10:00)</a:t>
+            </a:r>
+          </a:p>
+        </p:txBody>
+      </p:sp>
+      <p:sp>
+        <p:nvSpPr>
+          <p:cNvPr id="4" name="Text Placeholder 3">
+            <a:extLst>
+              <a:ext uri="{FF2B5EF4-FFF2-40B4-BE49-F238E27FC236}">
+                <a16:creationId xmlns:a16="http://schemas.microsoft.com/office/drawing/2014/main" id="{2337B7C9-5413-1F4F-A350-28ED8CBECF67}"/>
+              </a:ext>
+            </a:extLst>
+          </p:cNvPr>
+          <p:cNvSpPr>
+            <a:spLocks noGrp="1"/>
+          </p:cNvSpPr>
+          <p:nvPr>
+            <p:ph type="body" idx="1"/>
           </p:nvPr>
         </p:nvSpPr>
         <p:spPr/>
@@ -6057,49 +5668,7 @@
           <a:p>
             <a:r>
               <a:rPr lang="en-US" dirty="0"/>
-              <a:t>Compare NDSMacro1 to NDSMacro2</a:t>
-            </a:r>
-          </a:p>
-          <a:p>
-            <a:pPr lvl="1"/>
-            <a:r>
-              <a:rPr lang="en-US" dirty="0"/>
-              <a:t>Same small group, but several days later</a:t>
-            </a:r>
-          </a:p>
-          <a:p>
-            <a:pPr lvl="1"/>
-            <a:r>
-              <a:rPr lang="en-US" dirty="0"/>
-              <a:t>Which </a:t>
-            </a:r>
-            <a:r>
-              <a:rPr lang="en-US" i="1" dirty="0"/>
-              <a:t>C</a:t>
-            </a:r>
-            <a:r>
-              <a:rPr lang="en-US" dirty="0"/>
-              <a:t> should be used?</a:t>
-            </a:r>
-          </a:p>
-          <a:p>
-            <a:r>
-              <a:rPr lang="en-US" dirty="0"/>
-              <a:t>Interpretation:</a:t>
-            </a:r>
-          </a:p>
-          <a:p>
-            <a:pPr lvl="1"/>
-            <a:r>
-              <a:rPr lang="en-US" dirty="0"/>
-              <a:t>Goldilocks?</a:t>
-            </a:r>
-          </a:p>
-          <a:p>
-            <a:pPr lvl="1"/>
-            <a:r>
-              <a:rPr lang="en-US" dirty="0"/>
-              <a:t>Change over time?</a:t>
+              <a:t>We’ll start back up in 15 minutes</a:t>
             </a:r>
           </a:p>
           <a:p>
@@ -6110,7 +5679,7 @@
     </p:spTree>
     <p:extLst>
       <p:ext uri="{BB962C8B-B14F-4D97-AF65-F5344CB8AC3E}">
-        <p14:creationId xmlns:p14="http://schemas.microsoft.com/office/powerpoint/2010/main" val="2264272879"/>
+        <p14:creationId xmlns:p14="http://schemas.microsoft.com/office/powerpoint/2010/main" val="3238162174"/>
       </p:ext>
     </p:extLst>
   </p:cSld>
@@ -6142,7 +5711,7 @@
           <p:cNvPr id="2" name="Title 1">
             <a:extLst>
               <a:ext uri="{FF2B5EF4-FFF2-40B4-BE49-F238E27FC236}">
-                <a16:creationId xmlns:a16="http://schemas.microsoft.com/office/drawing/2014/main" id="{70EEECB6-BCC9-656F-7798-672545A6ABB6}"/>
+                <a16:creationId xmlns:a16="http://schemas.microsoft.com/office/drawing/2014/main" id="{340475CC-63A6-DB2C-D4FD-753778FCA5C5}"/>
               </a:ext>
             </a:extLst>
           </p:cNvPr>
@@ -6160,11 +5729,11 @@
           <a:p>
             <a:r>
               <a:rPr lang="en-US" dirty="0"/>
-              <a:t>CYO &amp; Discuss							</a:t>
+              <a:t>Finish off Power Law						</a:t>
             </a:r>
             <a:r>
               <a:rPr lang="en-US" sz="2000" dirty="0"/>
-              <a:t>(9:45)</a:t>
+              <a:t>(10:15)</a:t>
             </a:r>
           </a:p>
         </p:txBody>
@@ -6174,7 +5743,7 @@
           <p:cNvPr id="3" name="Content Placeholder 2">
             <a:extLst>
               <a:ext uri="{FF2B5EF4-FFF2-40B4-BE49-F238E27FC236}">
-                <a16:creationId xmlns:a16="http://schemas.microsoft.com/office/drawing/2014/main" id="{D55BAC29-4E7E-A67E-3756-10CF930BBB4A}"/>
+                <a16:creationId xmlns:a16="http://schemas.microsoft.com/office/drawing/2014/main" id="{2D89B5F7-22BD-5782-8B48-2485F02F3689}"/>
               </a:ext>
             </a:extLst>
           </p:cNvPr>
@@ -6192,60 +5761,15 @@
           <a:p>
             <a:r>
               <a:rPr lang="en-US" dirty="0"/>
-              <a:t>NDSMacro3 and NDSMacro4</a:t>
-            </a:r>
-          </a:p>
-          <a:p>
-            <a:pPr lvl="1"/>
-            <a:r>
-              <a:rPr lang="en-US" dirty="0"/>
-              <a:t>Two days from a small group</a:t>
-            </a:r>
-          </a:p>
-          <a:p>
-            <a:pPr lvl="2"/>
-            <a:r>
-              <a:rPr lang="en-US" dirty="0"/>
-              <a:t>Same class and days as NDSMacro1 and NDSMacro2, but different group</a:t>
-            </a:r>
-          </a:p>
-          <a:p>
-            <a:pPr lvl="1"/>
-            <a:r>
-              <a:rPr lang="en-US" dirty="0"/>
-              <a:t>Compare to each other and to NDSMacro1 and NDSMacro2</a:t>
-            </a:r>
-          </a:p>
-          <a:p>
-            <a:r>
-              <a:rPr lang="en-US" dirty="0"/>
-              <a:t>NDSAFAR</a:t>
-            </a:r>
-          </a:p>
-          <a:p>
-            <a:pPr lvl="1"/>
-            <a:r>
-              <a:rPr lang="en-US" dirty="0"/>
-              <a:t>Sequence of facial affects from a self video</a:t>
-            </a:r>
-          </a:p>
-          <a:p>
-            <a:pPr lvl="1"/>
-            <a:r>
-              <a:rPr lang="en-US" dirty="0"/>
-              <a:t>“AFAR” – Automatic Facial Affect Recognition</a:t>
-            </a:r>
-          </a:p>
-          <a:p>
-            <a:pPr lvl="1"/>
-            <a:endParaRPr lang="en-US" dirty="0"/>
+              <a:t>Finish fits and discussions</a:t>
+            </a:r>
           </a:p>
         </p:txBody>
       </p:sp>
     </p:spTree>
     <p:extLst>
       <p:ext uri="{BB962C8B-B14F-4D97-AF65-F5344CB8AC3E}">
-        <p14:creationId xmlns:p14="http://schemas.microsoft.com/office/powerpoint/2010/main" val="3459172610"/>
+        <p14:creationId xmlns:p14="http://schemas.microsoft.com/office/powerpoint/2010/main" val="3262751758"/>
       </p:ext>
     </p:extLst>
   </p:cSld>
@@ -6274,18 +5798,18 @@
       </p:grpSpPr>
       <p:sp>
         <p:nvSpPr>
-          <p:cNvPr id="2" name="Title 1">
-            <a:extLst>
-              <a:ext uri="{FF2B5EF4-FFF2-40B4-BE49-F238E27FC236}">
-                <a16:creationId xmlns:a16="http://schemas.microsoft.com/office/drawing/2014/main" id="{2B0D84F3-F212-894C-AED2-727F8B6AB0B2}"/>
-              </a:ext>
-            </a:extLst>
-          </p:cNvPr>
-          <p:cNvSpPr>
-            <a:spLocks noGrp="1"/>
-          </p:cNvSpPr>
-          <p:nvPr>
-            <p:ph type="title"/>
+          <p:cNvPr id="4" name="Text Placeholder 3">
+            <a:extLst>
+              <a:ext uri="{FF2B5EF4-FFF2-40B4-BE49-F238E27FC236}">
+                <a16:creationId xmlns:a16="http://schemas.microsoft.com/office/drawing/2014/main" id="{C5F731B4-356F-8542-B777-31AEA08139F7}"/>
+              </a:ext>
+            </a:extLst>
+          </p:cNvPr>
+          <p:cNvSpPr>
+            <a:spLocks noGrp="1"/>
+          </p:cNvSpPr>
+          <p:nvPr>
+            <p:ph type="body" idx="1"/>
           </p:nvPr>
         </p:nvSpPr>
         <p:spPr/>
@@ -6293,31 +5817,24 @@
           <a:bodyPr/>
           <a:lstStyle/>
           <a:p>
-            <a:r>
-              <a:rPr lang="en-US" dirty="0"/>
-              <a:t>Break							</a:t>
-            </a:r>
-            <a:r>
-              <a:rPr lang="en-US" sz="2000" dirty="0"/>
-              <a:t>(10:00)</a:t>
-            </a:r>
-          </a:p>
-        </p:txBody>
-      </p:sp>
-      <p:sp>
-        <p:nvSpPr>
-          <p:cNvPr id="4" name="Text Placeholder 3">
-            <a:extLst>
-              <a:ext uri="{FF2B5EF4-FFF2-40B4-BE49-F238E27FC236}">
-                <a16:creationId xmlns:a16="http://schemas.microsoft.com/office/drawing/2014/main" id="{2337B7C9-5413-1F4F-A350-28ED8CBECF67}"/>
-              </a:ext>
-            </a:extLst>
-          </p:cNvPr>
-          <p:cNvSpPr>
-            <a:spLocks noGrp="1"/>
-          </p:cNvSpPr>
-          <p:nvPr>
-            <p:ph type="body" idx="1"/>
+            <a:endParaRPr lang="en-US"/>
+          </a:p>
+        </p:txBody>
+      </p:sp>
+      <p:sp>
+        <p:nvSpPr>
+          <p:cNvPr id="6" name="Text Placeholder 5">
+            <a:extLst>
+              <a:ext uri="{FF2B5EF4-FFF2-40B4-BE49-F238E27FC236}">
+                <a16:creationId xmlns:a16="http://schemas.microsoft.com/office/drawing/2014/main" id="{1DFB680F-2CFB-EE4F-B611-0C8B80578406}"/>
+              </a:ext>
+            </a:extLst>
+          </p:cNvPr>
+          <p:cNvSpPr>
+            <a:spLocks noGrp="1"/>
+          </p:cNvSpPr>
+          <p:nvPr>
+            <p:ph type="body" sz="quarter" idx="3"/>
           </p:nvPr>
         </p:nvSpPr>
         <p:spPr/>
@@ -6325,60 +5842,24 @@
           <a:bodyPr/>
           <a:lstStyle/>
           <a:p>
-            <a:r>
-              <a:rPr lang="en-US" dirty="0"/>
-              <a:t>We’ll start back up in 15 minutes</a:t>
-            </a:r>
-          </a:p>
-          <a:p>
-            <a:endParaRPr lang="en-US" dirty="0"/>
-          </a:p>
-        </p:txBody>
-      </p:sp>
-    </p:spTree>
-    <p:extLst>
-      <p:ext uri="{BB962C8B-B14F-4D97-AF65-F5344CB8AC3E}">
-        <p14:creationId xmlns:p14="http://schemas.microsoft.com/office/powerpoint/2010/main" val="3238162174"/>
-      </p:ext>
-    </p:extLst>
-  </p:cSld>
-  <p:clrMapOvr>
-    <a:masterClrMapping/>
-  </p:clrMapOvr>
-</p:sld>
-</file>
-
-<file path=ppt/slides/slide15.xml><?xml version="1.0" encoding="utf-8"?>
-<p:sld xmlns:a="http://schemas.openxmlformats.org/drawingml/2006/main" xmlns:r="http://schemas.openxmlformats.org/officeDocument/2006/relationships" xmlns:p="http://schemas.openxmlformats.org/presentationml/2006/main">
-  <p:cSld>
-    <p:spTree>
-      <p:nvGrpSpPr>
-        <p:cNvPr id="1" name=""/>
-        <p:cNvGrpSpPr/>
-        <p:nvPr/>
-      </p:nvGrpSpPr>
-      <p:grpSpPr>
-        <a:xfrm>
-          <a:off x="0" y="0"/>
-          <a:ext cx="0" cy="0"/>
-          <a:chOff x="0" y="0"/>
-          <a:chExt cx="0" cy="0"/>
-        </a:xfrm>
-      </p:grpSpPr>
-      <p:sp>
-        <p:nvSpPr>
-          <p:cNvPr id="4" name="Text Placeholder 3">
-            <a:extLst>
-              <a:ext uri="{FF2B5EF4-FFF2-40B4-BE49-F238E27FC236}">
-                <a16:creationId xmlns:a16="http://schemas.microsoft.com/office/drawing/2014/main" id="{C5F731B4-356F-8542-B777-31AEA08139F7}"/>
-              </a:ext>
-            </a:extLst>
-          </p:cNvPr>
-          <p:cNvSpPr>
-            <a:spLocks noGrp="1"/>
-          </p:cNvSpPr>
-          <p:nvPr>
-            <p:ph type="body" idx="1"/>
+            <a:endParaRPr lang="en-US"/>
+          </a:p>
+        </p:txBody>
+      </p:sp>
+      <p:sp>
+        <p:nvSpPr>
+          <p:cNvPr id="2" name="Title 1">
+            <a:extLst>
+              <a:ext uri="{FF2B5EF4-FFF2-40B4-BE49-F238E27FC236}">
+                <a16:creationId xmlns:a16="http://schemas.microsoft.com/office/drawing/2014/main" id="{1C2CB70F-186B-5140-849E-0510F554A03A}"/>
+              </a:ext>
+            </a:extLst>
+          </p:cNvPr>
+          <p:cNvSpPr>
+            <a:spLocks noGrp="1"/>
+          </p:cNvSpPr>
+          <p:nvPr>
+            <p:ph type="title"/>
           </p:nvPr>
         </p:nvSpPr>
         <p:spPr/>
@@ -6386,63 +5867,13 @@
           <a:bodyPr/>
           <a:lstStyle/>
           <a:p>
-            <a:endParaRPr lang="en-US"/>
-          </a:p>
-        </p:txBody>
-      </p:sp>
-      <p:sp>
-        <p:nvSpPr>
-          <p:cNvPr id="6" name="Text Placeholder 5">
-            <a:extLst>
-              <a:ext uri="{FF2B5EF4-FFF2-40B4-BE49-F238E27FC236}">
-                <a16:creationId xmlns:a16="http://schemas.microsoft.com/office/drawing/2014/main" id="{1DFB680F-2CFB-EE4F-B611-0C8B80578406}"/>
-              </a:ext>
-            </a:extLst>
-          </p:cNvPr>
-          <p:cNvSpPr>
-            <a:spLocks noGrp="1"/>
-          </p:cNvSpPr>
-          <p:nvPr>
-            <p:ph type="body" sz="quarter" idx="3"/>
-          </p:nvPr>
-        </p:nvSpPr>
-        <p:spPr/>
-        <p:txBody>
-          <a:bodyPr/>
-          <a:lstStyle/>
-          <a:p>
-            <a:endParaRPr lang="en-US"/>
-          </a:p>
-        </p:txBody>
-      </p:sp>
-      <p:sp>
-        <p:nvSpPr>
-          <p:cNvPr id="2" name="Title 1">
-            <a:extLst>
-              <a:ext uri="{FF2B5EF4-FFF2-40B4-BE49-F238E27FC236}">
-                <a16:creationId xmlns:a16="http://schemas.microsoft.com/office/drawing/2014/main" id="{1C2CB70F-186B-5140-849E-0510F554A03A}"/>
-              </a:ext>
-            </a:extLst>
-          </p:cNvPr>
-          <p:cNvSpPr>
-            <a:spLocks noGrp="1"/>
-          </p:cNvSpPr>
-          <p:nvPr>
-            <p:ph type="title"/>
-          </p:nvPr>
-        </p:nvSpPr>
-        <p:spPr/>
-        <p:txBody>
-          <a:bodyPr/>
-          <a:lstStyle/>
-          <a:p>
             <a:r>
               <a:rPr lang="en-US" dirty="0"/>
               <a:t>Compare these plots						</a:t>
             </a:r>
             <a:r>
               <a:rPr lang="en-US" sz="2000" dirty="0"/>
-              <a:t>(10:15)</a:t>
+              <a:t>(10:30)</a:t>
             </a:r>
           </a:p>
         </p:txBody>
@@ -6542,7 +5973,7 @@
 </p:sld>
 </file>
 
-<file path=ppt/slides/slide16.xml><?xml version="1.0" encoding="utf-8"?>
+<file path=ppt/slides/slide15.xml><?xml version="1.0" encoding="utf-8"?>
 <p:sld xmlns:a="http://schemas.openxmlformats.org/drawingml/2006/main" xmlns:r="http://schemas.openxmlformats.org/officeDocument/2006/relationships" xmlns:p="http://schemas.openxmlformats.org/presentationml/2006/main">
   <p:cSld>
     <p:spTree>
@@ -6759,6 +6190,202 @@
 </p:sld>
 </file>
 
+<file path=ppt/slides/slide16.xml><?xml version="1.0" encoding="utf-8"?>
+<p:sld xmlns:a="http://schemas.openxmlformats.org/drawingml/2006/main" xmlns:r="http://schemas.openxmlformats.org/officeDocument/2006/relationships" xmlns:p="http://schemas.openxmlformats.org/presentationml/2006/main">
+  <p:cSld>
+    <p:spTree>
+      <p:nvGrpSpPr>
+        <p:cNvPr id="1" name=""/>
+        <p:cNvGrpSpPr/>
+        <p:nvPr/>
+      </p:nvGrpSpPr>
+      <p:grpSpPr>
+        <a:xfrm>
+          <a:off x="0" y="0"/>
+          <a:ext cx="0" cy="0"/>
+          <a:chOff x="0" y="0"/>
+          <a:chExt cx="0" cy="0"/>
+        </a:xfrm>
+      </p:grpSpPr>
+      <p:sp>
+        <p:nvSpPr>
+          <p:cNvPr id="2" name="Title 1">
+            <a:extLst>
+              <a:ext uri="{FF2B5EF4-FFF2-40B4-BE49-F238E27FC236}">
+                <a16:creationId xmlns:a16="http://schemas.microsoft.com/office/drawing/2014/main" id="{FFEEC68C-4FEB-B540-9F19-9A777AB112C7}"/>
+              </a:ext>
+            </a:extLst>
+          </p:cNvPr>
+          <p:cNvSpPr>
+            <a:spLocks noGrp="1"/>
+          </p:cNvSpPr>
+          <p:nvPr>
+            <p:ph type="title"/>
+          </p:nvPr>
+        </p:nvSpPr>
+        <p:spPr/>
+        <p:txBody>
+          <a:bodyPr/>
+          <a:lstStyle/>
+          <a:p>
+            <a:r>
+              <a:rPr lang="en-US" dirty="0"/>
+              <a:t>Recurrence Plot							</a:t>
+            </a:r>
+            <a:r>
+              <a:rPr lang="en-US" sz="2000" dirty="0"/>
+              <a:t>(10:40)</a:t>
+            </a:r>
+          </a:p>
+        </p:txBody>
+      </p:sp>
+      <p:sp>
+        <p:nvSpPr>
+          <p:cNvPr id="3" name="Content Placeholder 2">
+            <a:extLst>
+              <a:ext uri="{FF2B5EF4-FFF2-40B4-BE49-F238E27FC236}">
+                <a16:creationId xmlns:a16="http://schemas.microsoft.com/office/drawing/2014/main" id="{ED4899D9-A953-164A-A866-CDB081EEBBF7}"/>
+              </a:ext>
+            </a:extLst>
+          </p:cNvPr>
+          <p:cNvSpPr>
+            <a:spLocks noGrp="1"/>
+          </p:cNvSpPr>
+          <p:nvPr>
+            <p:ph idx="1"/>
+          </p:nvPr>
+        </p:nvSpPr>
+        <p:spPr/>
+        <p:txBody>
+          <a:bodyPr/>
+          <a:lstStyle/>
+          <a:p>
+            <a:r>
+              <a:rPr lang="en-US" dirty="0"/>
+              <a:t>Show their creation</a:t>
+            </a:r>
+          </a:p>
+          <a:p>
+            <a:pPr lvl="1"/>
+            <a:r>
+              <a:rPr lang="en-US" dirty="0"/>
+              <a:t>Copy text into text file (create in </a:t>
+            </a:r>
+            <a:r>
+              <a:rPr lang="en-US" dirty="0" err="1"/>
+              <a:t>Rstudio</a:t>
+            </a:r>
+            <a:r>
+              <a:rPr lang="en-US" dirty="0"/>
+              <a:t>) and save</a:t>
+            </a:r>
+          </a:p>
+          <a:p>
+            <a:pPr lvl="2"/>
+            <a:r>
+              <a:rPr lang="en-US" dirty="0"/>
+              <a:t>Look! The right directory!</a:t>
+            </a:r>
+          </a:p>
+          <a:p>
+            <a:pPr lvl="1"/>
+            <a:r>
+              <a:rPr lang="en-US" dirty="0"/>
+              <a:t>Cleaning text: </a:t>
+            </a:r>
+            <a:r>
+              <a:rPr lang="en-US" dirty="0" err="1">
+                <a:latin typeface="Consolas" panose="020B0609020204030204" pitchFamily="49" charset="0"/>
+                <a:cs typeface="Consolas" panose="020B0609020204030204" pitchFamily="49" charset="0"/>
+              </a:rPr>
+              <a:t>prepareText</a:t>
+            </a:r>
+            <a:r>
+              <a:rPr lang="en-US" dirty="0">
+                <a:latin typeface="Consolas" panose="020B0609020204030204" pitchFamily="49" charset="0"/>
+                <a:cs typeface="Consolas" panose="020B0609020204030204" pitchFamily="49" charset="0"/>
+              </a:rPr>
+              <a:t>()</a:t>
+            </a:r>
+          </a:p>
+          <a:p>
+            <a:pPr lvl="1"/>
+            <a:r>
+              <a:rPr lang="en-US" dirty="0"/>
+              <a:t>Making it happen: </a:t>
+            </a:r>
+            <a:r>
+              <a:rPr lang="en-US" dirty="0" err="1">
+                <a:latin typeface="Consolas" panose="020B0609020204030204" pitchFamily="49" charset="0"/>
+                <a:cs typeface="Consolas" panose="020B0609020204030204" pitchFamily="49" charset="0"/>
+              </a:rPr>
+              <a:t>crqa</a:t>
+            </a:r>
+            <a:r>
+              <a:rPr lang="en-US" dirty="0">
+                <a:latin typeface="Consolas" panose="020B0609020204030204" pitchFamily="49" charset="0"/>
+                <a:cs typeface="Consolas" panose="020B0609020204030204" pitchFamily="49" charset="0"/>
+              </a:rPr>
+              <a:t>()</a:t>
+            </a:r>
+          </a:p>
+          <a:p>
+            <a:pPr lvl="2"/>
+            <a:r>
+              <a:rPr lang="en-US" dirty="0"/>
+              <a:t>A gazillion parameters to set…ugh</a:t>
+            </a:r>
+          </a:p>
+          <a:p>
+            <a:pPr lvl="2"/>
+            <a:r>
+              <a:rPr lang="en-US" dirty="0"/>
+              <a:t>Eventually we’ll get to things like “phase space reconstruction” and “embedding dimension” and “delay.” Try to ignore them for now</a:t>
+            </a:r>
+          </a:p>
+          <a:p>
+            <a:pPr lvl="1"/>
+            <a:r>
+              <a:rPr lang="en-US" dirty="0"/>
+              <a:t>Plotting: </a:t>
+            </a:r>
+            <a:r>
+              <a:rPr lang="en-US" dirty="0" err="1">
+                <a:latin typeface="Consolas" panose="020B0609020204030204" pitchFamily="49" charset="0"/>
+                <a:cs typeface="Consolas" panose="020B0609020204030204" pitchFamily="49" charset="0"/>
+              </a:rPr>
+              <a:t>plotRP</a:t>
+            </a:r>
+            <a:r>
+              <a:rPr lang="en-US" dirty="0">
+                <a:latin typeface="Consolas" panose="020B0609020204030204" pitchFamily="49" charset="0"/>
+                <a:cs typeface="Consolas" panose="020B0609020204030204" pitchFamily="49" charset="0"/>
+              </a:rPr>
+              <a:t>()</a:t>
+            </a:r>
+          </a:p>
+          <a:p>
+            <a:pPr lvl="2"/>
+            <a:r>
+              <a:rPr lang="en-US" dirty="0"/>
+              <a:t>Another gazillion parameters to set…ugh</a:t>
+            </a:r>
+          </a:p>
+        </p:txBody>
+      </p:sp>
+    </p:spTree>
+    <p:extLst>
+      <p:ext uri="{BB962C8B-B14F-4D97-AF65-F5344CB8AC3E}">
+        <p14:creationId xmlns:p14="http://schemas.microsoft.com/office/powerpoint/2010/main" val="3791764871"/>
+      </p:ext>
+    </p:extLst>
+  </p:cSld>
+  <p:clrMapOvr>
+    <a:masterClrMapping/>
+  </p:clrMapOvr>
+</p:sld>
+</file>
+
 <file path=ppt/slides/slide17.xml><?xml version="1.0" encoding="utf-8"?>
 <p:sld xmlns:a="http://schemas.openxmlformats.org/drawingml/2006/main" xmlns:r="http://schemas.openxmlformats.org/officeDocument/2006/relationships" xmlns:p="http://schemas.openxmlformats.org/presentationml/2006/main">
   <p:cSld>
@@ -6781,7 +6408,7 @@
           <p:cNvPr id="2" name="Title 1">
             <a:extLst>
               <a:ext uri="{FF2B5EF4-FFF2-40B4-BE49-F238E27FC236}">
-                <a16:creationId xmlns:a16="http://schemas.microsoft.com/office/drawing/2014/main" id="{FFEEC68C-4FEB-B540-9F19-9A777AB112C7}"/>
+                <a16:creationId xmlns:a16="http://schemas.microsoft.com/office/drawing/2014/main" id="{B4222A78-7011-6645-A907-171F9A1A226F}"/>
               </a:ext>
             </a:extLst>
           </p:cNvPr>
@@ -6799,11 +6426,11 @@
           <a:p>
             <a:r>
               <a:rPr lang="en-US" dirty="0"/>
-              <a:t>Recurrence Plot							</a:t>
+              <a:t>Recurrence Quantification Analysis		</a:t>
             </a:r>
             <a:r>
               <a:rPr lang="en-US" sz="2000" dirty="0"/>
-              <a:t>(10:25)</a:t>
+              <a:t>(11:00)</a:t>
             </a:r>
           </a:p>
         </p:txBody>
@@ -6813,7 +6440,7 @@
           <p:cNvPr id="3" name="Content Placeholder 2">
             <a:extLst>
               <a:ext uri="{FF2B5EF4-FFF2-40B4-BE49-F238E27FC236}">
-                <a16:creationId xmlns:a16="http://schemas.microsoft.com/office/drawing/2014/main" id="{ED4899D9-A953-164A-A866-CDB081EEBBF7}"/>
+                <a16:creationId xmlns:a16="http://schemas.microsoft.com/office/drawing/2014/main" id="{F14CD351-23C9-5A4A-9379-8CFB6CF4376B}"/>
               </a:ext>
             </a:extLst>
           </p:cNvPr>
@@ -6824,120 +6451,108 @@
             <p:ph idx="1"/>
           </p:nvPr>
         </p:nvSpPr>
-        <p:spPr/>
+        <p:spPr>
+          <a:xfrm>
+            <a:off x="838200" y="1651057"/>
+            <a:ext cx="10515600" cy="4730077"/>
+          </a:xfrm>
+        </p:spPr>
         <p:txBody>
           <a:bodyPr/>
           <a:lstStyle/>
           <a:p>
             <a:r>
               <a:rPr lang="en-US" dirty="0"/>
-              <a:t>Show their creation</a:t>
+              <a:t>Metrics – 9 common ones</a:t>
             </a:r>
           </a:p>
           <a:p>
             <a:pPr lvl="1"/>
             <a:r>
               <a:rPr lang="en-US" dirty="0"/>
-              <a:t>Copy text into text file (create in </a:t>
-            </a:r>
+              <a:t>Recurrence Rate (RR) – density of recurrence points</a:t>
+            </a:r>
+          </a:p>
+          <a:p>
+            <a:pPr lvl="1"/>
+            <a:r>
+              <a:rPr lang="en-US" dirty="0"/>
+              <a:t>Determinism (DET) – predictability from long diagonals</a:t>
+            </a:r>
+          </a:p>
+          <a:p>
+            <a:pPr lvl="1"/>
+            <a:r>
+              <a:rPr lang="en-US" dirty="0"/>
+              <a:t>NRLINE – total number of diagonal lines</a:t>
+            </a:r>
+          </a:p>
+          <a:p>
+            <a:pPr lvl="1"/>
             <a:r>
               <a:rPr lang="en-US" dirty="0" err="1"/>
-              <a:t>Rstudio</a:t>
-            </a:r>
-            <a:r>
-              <a:rPr lang="en-US" dirty="0"/>
-              <a:t>) and save</a:t>
-            </a:r>
-          </a:p>
-          <a:p>
-            <a:pPr lvl="2"/>
-            <a:r>
-              <a:rPr lang="en-US" dirty="0"/>
-              <a:t>Look! The right directory!</a:t>
+              <a:t>maxL</a:t>
+            </a:r>
+            <a:r>
+              <a:rPr lang="en-US" dirty="0"/>
+              <a:t> or </a:t>
+            </a:r>
+            <a:r>
+              <a:rPr lang="en-US" dirty="0" err="1"/>
+              <a:t>L</a:t>
+            </a:r>
+            <a:r>
+              <a:rPr lang="en-US" baseline="-25000" dirty="0" err="1"/>
+              <a:t>max</a:t>
+            </a:r>
+            <a:r>
+              <a:rPr lang="en-US" dirty="0"/>
+              <a:t> – longest diagonal line</a:t>
             </a:r>
           </a:p>
           <a:p>
             <a:pPr lvl="1"/>
             <a:r>
               <a:rPr lang="en-US" dirty="0"/>
-              <a:t>Cleaning text: </a:t>
-            </a:r>
-            <a:r>
-              <a:rPr lang="en-US" dirty="0" err="1">
-                <a:latin typeface="Consolas" panose="020B0609020204030204" pitchFamily="49" charset="0"/>
-                <a:cs typeface="Consolas" panose="020B0609020204030204" pitchFamily="49" charset="0"/>
-              </a:rPr>
-              <a:t>prepareText</a:t>
-            </a:r>
-            <a:r>
-              <a:rPr lang="en-US" dirty="0">
-                <a:latin typeface="Consolas" panose="020B0609020204030204" pitchFamily="49" charset="0"/>
-                <a:cs typeface="Consolas" panose="020B0609020204030204" pitchFamily="49" charset="0"/>
-              </a:rPr>
-              <a:t>()</a:t>
+              <a:t>L – average diagonal line length (mean prediction time)</a:t>
             </a:r>
           </a:p>
           <a:p>
             <a:pPr lvl="1"/>
             <a:r>
               <a:rPr lang="en-US" dirty="0"/>
-              <a:t>Making it happen: </a:t>
-            </a:r>
-            <a:r>
-              <a:rPr lang="en-US" dirty="0" err="1">
-                <a:latin typeface="Consolas" panose="020B0609020204030204" pitchFamily="49" charset="0"/>
-                <a:cs typeface="Consolas" panose="020B0609020204030204" pitchFamily="49" charset="0"/>
-              </a:rPr>
-              <a:t>crqa</a:t>
-            </a:r>
-            <a:r>
-              <a:rPr lang="en-US" dirty="0">
-                <a:latin typeface="Consolas" panose="020B0609020204030204" pitchFamily="49" charset="0"/>
-                <a:cs typeface="Consolas" panose="020B0609020204030204" pitchFamily="49" charset="0"/>
-              </a:rPr>
-              <a:t>()</a:t>
-            </a:r>
-          </a:p>
-          <a:p>
-            <a:pPr lvl="2"/>
-            <a:r>
-              <a:rPr lang="en-US" dirty="0"/>
-              <a:t>A gazillion parameters to set…ugh</a:t>
-            </a:r>
-          </a:p>
-          <a:p>
-            <a:pPr lvl="2"/>
-            <a:r>
-              <a:rPr lang="en-US" dirty="0"/>
-              <a:t>Eventually we’ll get to things like “phase space reconstruction” and “embedding dimension” and “delay.” Try to ignore them for now</a:t>
+              <a:t>ENTR – Shannon entropy</a:t>
             </a:r>
           </a:p>
           <a:p>
             <a:pPr lvl="1"/>
             <a:r>
-              <a:rPr lang="en-US" dirty="0"/>
-              <a:t>Plotting: </a:t>
-            </a:r>
-            <a:r>
-              <a:rPr lang="en-US" dirty="0" err="1">
-                <a:latin typeface="Consolas" panose="020B0609020204030204" pitchFamily="49" charset="0"/>
-                <a:cs typeface="Consolas" panose="020B0609020204030204" pitchFamily="49" charset="0"/>
-              </a:rPr>
-              <a:t>plotRP</a:t>
-            </a:r>
-            <a:r>
-              <a:rPr lang="en-US" dirty="0">
-                <a:latin typeface="Consolas" panose="020B0609020204030204" pitchFamily="49" charset="0"/>
-                <a:cs typeface="Consolas" panose="020B0609020204030204" pitchFamily="49" charset="0"/>
-              </a:rPr>
-              <a:t>()</a:t>
-            </a:r>
-          </a:p>
-          <a:p>
-            <a:pPr lvl="2"/>
-            <a:r>
-              <a:rPr lang="en-US" dirty="0"/>
-              <a:t>Another gazillion parameters to set…ugh</a:t>
+              <a:rPr lang="en-US" dirty="0" err="1"/>
+              <a:t>rENTR</a:t>
+            </a:r>
+            <a:r>
+              <a:rPr lang="en-US" dirty="0"/>
+              <a:t> – entropy normalized by number of lines</a:t>
+            </a:r>
+          </a:p>
+          <a:p>
+            <a:pPr lvl="1"/>
+            <a:r>
+              <a:rPr lang="en-US" dirty="0"/>
+              <a:t>LAM – proportion of points forming vertical lines</a:t>
+            </a:r>
+          </a:p>
+          <a:p>
+            <a:pPr lvl="1"/>
+            <a:r>
+              <a:rPr lang="en-US" dirty="0"/>
+              <a:t>TT – average length of vertical lines</a:t>
+            </a:r>
+          </a:p>
+          <a:p>
+            <a:r>
+              <a:rPr lang="en-US" dirty="0"/>
+              <a:t>We’ll look at these in detail after lunch</a:t>
             </a:r>
           </a:p>
         </p:txBody>
@@ -6945,7 +6560,7 @@
     </p:spTree>
     <p:extLst>
       <p:ext uri="{BB962C8B-B14F-4D97-AF65-F5344CB8AC3E}">
-        <p14:creationId xmlns:p14="http://schemas.microsoft.com/office/powerpoint/2010/main" val="3791764871"/>
+        <p14:creationId xmlns:p14="http://schemas.microsoft.com/office/powerpoint/2010/main" val="2772248051"/>
       </p:ext>
     </p:extLst>
   </p:cSld>
@@ -6974,10 +6589,104 @@
       </p:grpSpPr>
       <p:sp>
         <p:nvSpPr>
+          <p:cNvPr id="3" name="Content Placeholder 2">
+            <a:extLst>
+              <a:ext uri="{FF2B5EF4-FFF2-40B4-BE49-F238E27FC236}">
+                <a16:creationId xmlns:a16="http://schemas.microsoft.com/office/drawing/2014/main" id="{ABACC75C-82FD-0C40-B19D-FB1F46279BD7}"/>
+              </a:ext>
+            </a:extLst>
+          </p:cNvPr>
+          <p:cNvSpPr>
+            <a:spLocks noGrp="1"/>
+          </p:cNvSpPr>
+          <p:nvPr>
+            <p:ph sz="half" idx="1"/>
+          </p:nvPr>
+        </p:nvSpPr>
+        <p:spPr/>
+        <p:txBody>
+          <a:bodyPr>
+            <a:normAutofit/>
+          </a:bodyPr>
+          <a:lstStyle/>
+          <a:p>
+            <a:r>
+              <a:rPr lang="en-US" dirty="0"/>
+              <a:t>Recurrence Rate (</a:t>
+            </a:r>
+            <a:r>
+              <a:rPr lang="en-US" i="1" dirty="0"/>
+              <a:t>RR</a:t>
+            </a:r>
+            <a:r>
+              <a:rPr lang="en-US" dirty="0"/>
+              <a:t>)</a:t>
+            </a:r>
+          </a:p>
+          <a:p>
+            <a:pPr lvl="1"/>
+            <a:r>
+              <a:rPr lang="en-US" dirty="0"/>
+              <a:t>Percent of dots (not including LOI)</a:t>
+            </a:r>
+          </a:p>
+          <a:p>
+            <a:r>
+              <a:rPr lang="en-US" dirty="0"/>
+              <a:t>Determinism (</a:t>
+            </a:r>
+            <a:r>
+              <a:rPr lang="en-US" i="1" dirty="0"/>
+              <a:t>DET</a:t>
+            </a:r>
+            <a:r>
+              <a:rPr lang="en-US" dirty="0"/>
+              <a:t>)</a:t>
+            </a:r>
+          </a:p>
+          <a:p>
+            <a:pPr lvl="1"/>
+            <a:r>
+              <a:rPr lang="en-US" dirty="0"/>
+              <a:t>Fraction of recurrent points that form diagonal lines (&gt;</a:t>
+            </a:r>
+            <a:r>
+              <a:rPr lang="en-US" i="1" dirty="0" err="1"/>
+              <a:t>l</a:t>
+            </a:r>
+            <a:r>
+              <a:rPr lang="en-US" i="1" baseline="-25000" dirty="0" err="1"/>
+              <a:t>min</a:t>
+            </a:r>
+            <a:r>
+              <a:rPr lang="en-US" dirty="0"/>
+              <a:t>)</a:t>
+            </a:r>
+          </a:p>
+          <a:p>
+            <a:r>
+              <a:rPr lang="en-US" i="1" dirty="0"/>
+              <a:t>NRLINE</a:t>
+            </a:r>
+          </a:p>
+          <a:p>
+            <a:pPr lvl="1"/>
+            <a:r>
+              <a:rPr lang="en-US" dirty="0"/>
+              <a:t>Total number of diagonal lines</a:t>
+            </a:r>
+          </a:p>
+          <a:p>
+            <a:endParaRPr lang="en-US" dirty="0"/>
+          </a:p>
+        </p:txBody>
+      </p:sp>
+      <p:sp>
+        <p:nvSpPr>
           <p:cNvPr id="2" name="Title 1">
             <a:extLst>
               <a:ext uri="{FF2B5EF4-FFF2-40B4-BE49-F238E27FC236}">
-                <a16:creationId xmlns:a16="http://schemas.microsoft.com/office/drawing/2014/main" id="{B4222A78-7011-6645-A907-171F9A1A226F}"/>
+                <a16:creationId xmlns:a16="http://schemas.microsoft.com/office/drawing/2014/main" id="{2C9B3578-7AAA-5446-A965-7FBCA5987BB2}"/>
               </a:ext>
             </a:extLst>
           </p:cNvPr>
@@ -6995,141 +6704,86 @@
           <a:p>
             <a:r>
               <a:rPr lang="en-US" dirty="0"/>
-              <a:t>Recurrence Quantification Analysis		</a:t>
-            </a:r>
-            <a:r>
-              <a:rPr lang="en-US" sz="2000" dirty="0"/>
-              <a:t>(10:45)</a:t>
-            </a:r>
-          </a:p>
-        </p:txBody>
-      </p:sp>
-      <p:sp>
-        <p:nvSpPr>
-          <p:cNvPr id="3" name="Content Placeholder 2">
-            <a:extLst>
-              <a:ext uri="{FF2B5EF4-FFF2-40B4-BE49-F238E27FC236}">
-                <a16:creationId xmlns:a16="http://schemas.microsoft.com/office/drawing/2014/main" id="{F14CD351-23C9-5A4A-9379-8CFB6CF4376B}"/>
-              </a:ext>
-            </a:extLst>
-          </p:cNvPr>
-          <p:cNvSpPr>
-            <a:spLocks noGrp="1"/>
-          </p:cNvSpPr>
-          <p:nvPr>
-            <p:ph idx="1"/>
-          </p:nvPr>
-        </p:nvSpPr>
-        <p:spPr>
+              <a:t>RP Metric Interpretations (1)</a:t>
+            </a:r>
+          </a:p>
+        </p:txBody>
+      </p:sp>
+      <p:pic>
+        <p:nvPicPr>
+          <p:cNvPr id="5" name="Content Placeholder 9">
+            <a:extLst>
+              <a:ext uri="{FF2B5EF4-FFF2-40B4-BE49-F238E27FC236}">
+                <a16:creationId xmlns:a16="http://schemas.microsoft.com/office/drawing/2014/main" id="{E84D6158-6E06-1A97-A287-811632FF877E}"/>
+              </a:ext>
+            </a:extLst>
+          </p:cNvPr>
+          <p:cNvPicPr>
+            <a:picLocks noChangeAspect="1"/>
+          </p:cNvPicPr>
+          <p:nvPr/>
+        </p:nvPicPr>
+        <p:blipFill>
+          <a:blip r:embed="rId3">
+            <a:extLst>
+              <a:ext uri="{28A0092B-C50C-407E-A947-70E740481C1C}">
+                <a14:useLocalDpi xmlns:a14="http://schemas.microsoft.com/office/drawing/2010/main" val="0"/>
+              </a:ext>
+            </a:extLst>
+          </a:blip>
+          <a:stretch>
+            <a:fillRect/>
+          </a:stretch>
+        </p:blipFill>
+        <p:spPr bwMode="auto">
           <a:xfrm>
-            <a:off x="838200" y="1651057"/>
-            <a:ext cx="10515600" cy="4730077"/>
+            <a:off x="6172200" y="2057400"/>
+            <a:ext cx="5916168" cy="3288143"/>
           </a:xfrm>
+          <a:prstGeom prst="rect">
+            <a:avLst/>
+          </a:prstGeom>
+          <a:noFill/>
+          <a:extLst>
+            <a:ext uri="{909E8E84-426E-40DD-AFC4-6F175D3DCCD1}">
+              <a14:hiddenFill xmlns:a14="http://schemas.microsoft.com/office/drawing/2010/main">
+                <a:solidFill>
+                  <a:srgbClr val="FFFFFF"/>
+                </a:solidFill>
+              </a14:hiddenFill>
+            </a:ext>
+          </a:extLst>
         </p:spPr>
+      </p:pic>
+      <p:sp>
+        <p:nvSpPr>
+          <p:cNvPr id="6" name="Content Placeholder 5">
+            <a:extLst>
+              <a:ext uri="{FF2B5EF4-FFF2-40B4-BE49-F238E27FC236}">
+                <a16:creationId xmlns:a16="http://schemas.microsoft.com/office/drawing/2014/main" id="{83B0132E-C22D-79D4-F5A6-AF999970CE07}"/>
+              </a:ext>
+            </a:extLst>
+          </p:cNvPr>
+          <p:cNvSpPr>
+            <a:spLocks noGrp="1"/>
+          </p:cNvSpPr>
+          <p:nvPr>
+            <p:ph sz="half" idx="2"/>
+          </p:nvPr>
+        </p:nvSpPr>
+        <p:spPr/>
         <p:txBody>
           <a:bodyPr/>
           <a:lstStyle/>
           <a:p>
-            <a:r>
-              <a:rPr lang="en-US" dirty="0"/>
-              <a:t>Metrics – 9 common ones</a:t>
-            </a:r>
-          </a:p>
-          <a:p>
-            <a:pPr lvl="1"/>
-            <a:r>
-              <a:rPr lang="en-US" dirty="0"/>
-              <a:t>Recurrence Rate (RR) – density of recurrence points</a:t>
-            </a:r>
-          </a:p>
-          <a:p>
-            <a:pPr lvl="1"/>
-            <a:r>
-              <a:rPr lang="en-US" dirty="0"/>
-              <a:t>Determinism (DET) – predictability from long diagonals</a:t>
-            </a:r>
-          </a:p>
-          <a:p>
-            <a:pPr lvl="1"/>
-            <a:r>
-              <a:rPr lang="en-US" dirty="0"/>
-              <a:t>NRLINE – total number of diagonal lines</a:t>
-            </a:r>
-          </a:p>
-          <a:p>
-            <a:pPr lvl="1"/>
-            <a:r>
-              <a:rPr lang="en-US" dirty="0" err="1"/>
-              <a:t>maxL</a:t>
-            </a:r>
-            <a:r>
-              <a:rPr lang="en-US" dirty="0"/>
-              <a:t> or </a:t>
-            </a:r>
-            <a:r>
-              <a:rPr lang="en-US" dirty="0" err="1"/>
-              <a:t>L</a:t>
-            </a:r>
-            <a:r>
-              <a:rPr lang="en-US" baseline="-25000" dirty="0" err="1"/>
-              <a:t>max</a:t>
-            </a:r>
-            <a:r>
-              <a:rPr lang="en-US" dirty="0"/>
-              <a:t> – longest diagonal line</a:t>
-            </a:r>
-          </a:p>
-          <a:p>
-            <a:pPr lvl="1"/>
-            <a:r>
-              <a:rPr lang="en-US" dirty="0"/>
-              <a:t>L – average diagonal line length (mean prediction time)</a:t>
-            </a:r>
-          </a:p>
-          <a:p>
-            <a:pPr lvl="1"/>
-            <a:r>
-              <a:rPr lang="en-US" dirty="0"/>
-              <a:t>ENTR – Shannon entropy</a:t>
-            </a:r>
-          </a:p>
-          <a:p>
-            <a:pPr lvl="1"/>
-            <a:r>
-              <a:rPr lang="en-US" dirty="0" err="1"/>
-              <a:t>rENTR</a:t>
-            </a:r>
-            <a:r>
-              <a:rPr lang="en-US" dirty="0"/>
-              <a:t> – entropy normalized by number of lines</a:t>
-            </a:r>
-          </a:p>
-          <a:p>
-            <a:pPr lvl="1"/>
-            <a:r>
-              <a:rPr lang="en-US" dirty="0"/>
-              <a:t>LAM – proportion of points forming vertical lines</a:t>
-            </a:r>
-          </a:p>
-          <a:p>
-            <a:pPr lvl="1"/>
-            <a:r>
-              <a:rPr lang="en-US" dirty="0"/>
-              <a:t>TT – average length of vertical lines</a:t>
-            </a:r>
-          </a:p>
-          <a:p>
-            <a:r>
-              <a:rPr lang="en-US" dirty="0"/>
-              <a:t>We’ll look at these in detail after lunch</a:t>
-            </a:r>
+            <a:endParaRPr lang="en-US" dirty="0"/>
           </a:p>
         </p:txBody>
       </p:sp>
     </p:spTree>
     <p:extLst>
       <p:ext uri="{BB962C8B-B14F-4D97-AF65-F5344CB8AC3E}">
-        <p14:creationId xmlns:p14="http://schemas.microsoft.com/office/powerpoint/2010/main" val="2772248051"/>
+        <p14:creationId xmlns:p14="http://schemas.microsoft.com/office/powerpoint/2010/main" val="3068005184"/>
       </p:ext>
     </p:extLst>
   </p:cSld>
@@ -7273,24 +6927,26 @@
           <a:p>
             <a:r>
               <a:rPr lang="en-US" dirty="0"/>
-              <a:t>RP Metric Interpretations (1)</a:t>
+              <a:t>RP Metric Interpretations (1a)</a:t>
             </a:r>
           </a:p>
         </p:txBody>
       </p:sp>
       <p:pic>
         <p:nvPicPr>
-          <p:cNvPr id="5" name="Content Placeholder 9">
-            <a:extLst>
-              <a:ext uri="{FF2B5EF4-FFF2-40B4-BE49-F238E27FC236}">
-                <a16:creationId xmlns:a16="http://schemas.microsoft.com/office/drawing/2014/main" id="{E84D6158-6E06-1A97-A287-811632FF877E}"/>
+          <p:cNvPr id="8" name="Content Placeholder 15">
+            <a:extLst>
+              <a:ext uri="{FF2B5EF4-FFF2-40B4-BE49-F238E27FC236}">
+                <a16:creationId xmlns:a16="http://schemas.microsoft.com/office/drawing/2014/main" id="{AF8F8F01-FB6E-6B90-675B-C6E63F47432D}"/>
               </a:ext>
             </a:extLst>
           </p:cNvPr>
           <p:cNvPicPr>
-            <a:picLocks noChangeAspect="1"/>
+            <a:picLocks noGrp="1" noChangeAspect="1"/>
           </p:cNvPicPr>
-          <p:nvPr/>
+          <p:nvPr>
+            <p:ph sz="half" idx="2"/>
+          </p:nvPr>
         </p:nvPicPr>
         <p:blipFill>
           <a:blip r:embed="rId3">
@@ -7300,59 +6956,20 @@
               </a:ext>
             </a:extLst>
           </a:blip>
-          <a:stretch>
-            <a:fillRect/>
-          </a:stretch>
+          <a:srcRect/>
+          <a:stretch/>
         </p:blipFill>
-        <p:spPr bwMode="auto">
+        <p:spPr>
           <a:xfrm>
             <a:off x="6172200" y="2057400"/>
-            <a:ext cx="5916168" cy="3288143"/>
+            <a:ext cx="5911850" cy="3279521"/>
           </a:xfrm>
-          <a:prstGeom prst="rect">
-            <a:avLst/>
-          </a:prstGeom>
-          <a:noFill/>
-          <a:extLst>
-            <a:ext uri="{909E8E84-426E-40DD-AFC4-6F175D3DCCD1}">
-              <a14:hiddenFill xmlns:a14="http://schemas.microsoft.com/office/drawing/2010/main">
-                <a:solidFill>
-                  <a:srgbClr val="FFFFFF"/>
-                </a:solidFill>
-              </a14:hiddenFill>
-            </a:ext>
-          </a:extLst>
         </p:spPr>
       </p:pic>
-      <p:sp>
-        <p:nvSpPr>
-          <p:cNvPr id="6" name="Content Placeholder 5">
-            <a:extLst>
-              <a:ext uri="{FF2B5EF4-FFF2-40B4-BE49-F238E27FC236}">
-                <a16:creationId xmlns:a16="http://schemas.microsoft.com/office/drawing/2014/main" id="{83B0132E-C22D-79D4-F5A6-AF999970CE07}"/>
-              </a:ext>
-            </a:extLst>
-          </p:cNvPr>
-          <p:cNvSpPr>
-            <a:spLocks noGrp="1"/>
-          </p:cNvSpPr>
-          <p:nvPr>
-            <p:ph sz="half" idx="2"/>
-          </p:nvPr>
-        </p:nvSpPr>
-        <p:spPr/>
-        <p:txBody>
-          <a:bodyPr/>
-          <a:lstStyle/>
-          <a:p>
-            <a:endParaRPr lang="en-US" dirty="0"/>
-          </a:p>
-        </p:txBody>
-      </p:sp>
     </p:spTree>
     <p:extLst>
       <p:ext uri="{BB962C8B-B14F-4D97-AF65-F5344CB8AC3E}">
-        <p14:creationId xmlns:p14="http://schemas.microsoft.com/office/powerpoint/2010/main" val="3068005184"/>
+        <p14:creationId xmlns:p14="http://schemas.microsoft.com/office/powerpoint/2010/main" val="959138598"/>
       </p:ext>
     </p:extLst>
   </p:cSld>
@@ -7436,6 +7053,12 @@
           <a:p>
             <a:r>
               <a:rPr lang="en-US" dirty="0"/>
+              <a:t>Questions?</a:t>
+            </a:r>
+          </a:p>
+          <a:p>
+            <a:r>
+              <a:rPr lang="en-US" dirty="0"/>
               <a:t>Self-Organization</a:t>
             </a:r>
           </a:p>
@@ -7492,192 +7115,6 @@
 </file>
 
 <file path=ppt/slides/slide20.xml><?xml version="1.0" encoding="utf-8"?>
-<p:sld xmlns:a="http://schemas.openxmlformats.org/drawingml/2006/main" xmlns:r="http://schemas.openxmlformats.org/officeDocument/2006/relationships" xmlns:p="http://schemas.openxmlformats.org/presentationml/2006/main">
-  <p:cSld>
-    <p:spTree>
-      <p:nvGrpSpPr>
-        <p:cNvPr id="1" name=""/>
-        <p:cNvGrpSpPr/>
-        <p:nvPr/>
-      </p:nvGrpSpPr>
-      <p:grpSpPr>
-        <a:xfrm>
-          <a:off x="0" y="0"/>
-          <a:ext cx="0" cy="0"/>
-          <a:chOff x="0" y="0"/>
-          <a:chExt cx="0" cy="0"/>
-        </a:xfrm>
-      </p:grpSpPr>
-      <p:sp>
-        <p:nvSpPr>
-          <p:cNvPr id="3" name="Content Placeholder 2">
-            <a:extLst>
-              <a:ext uri="{FF2B5EF4-FFF2-40B4-BE49-F238E27FC236}">
-                <a16:creationId xmlns:a16="http://schemas.microsoft.com/office/drawing/2014/main" id="{ABACC75C-82FD-0C40-B19D-FB1F46279BD7}"/>
-              </a:ext>
-            </a:extLst>
-          </p:cNvPr>
-          <p:cNvSpPr>
-            <a:spLocks noGrp="1"/>
-          </p:cNvSpPr>
-          <p:nvPr>
-            <p:ph sz="half" idx="1"/>
-          </p:nvPr>
-        </p:nvSpPr>
-        <p:spPr/>
-        <p:txBody>
-          <a:bodyPr>
-            <a:normAutofit/>
-          </a:bodyPr>
-          <a:lstStyle/>
-          <a:p>
-            <a:r>
-              <a:rPr lang="en-US" dirty="0"/>
-              <a:t>Recurrence Rate (</a:t>
-            </a:r>
-            <a:r>
-              <a:rPr lang="en-US" i="1" dirty="0"/>
-              <a:t>RR</a:t>
-            </a:r>
-            <a:r>
-              <a:rPr lang="en-US" dirty="0"/>
-              <a:t>)</a:t>
-            </a:r>
-          </a:p>
-          <a:p>
-            <a:pPr lvl="1"/>
-            <a:r>
-              <a:rPr lang="en-US" dirty="0"/>
-              <a:t>Percent of dots (not including LOI)</a:t>
-            </a:r>
-          </a:p>
-          <a:p>
-            <a:r>
-              <a:rPr lang="en-US" dirty="0"/>
-              <a:t>Determinism (</a:t>
-            </a:r>
-            <a:r>
-              <a:rPr lang="en-US" i="1" dirty="0"/>
-              <a:t>DET</a:t>
-            </a:r>
-            <a:r>
-              <a:rPr lang="en-US" dirty="0"/>
-              <a:t>)</a:t>
-            </a:r>
-          </a:p>
-          <a:p>
-            <a:pPr lvl="1"/>
-            <a:r>
-              <a:rPr lang="en-US" dirty="0"/>
-              <a:t>Fraction of recurrent points that form diagonal lines (&gt;</a:t>
-            </a:r>
-            <a:r>
-              <a:rPr lang="en-US" i="1" dirty="0" err="1"/>
-              <a:t>l</a:t>
-            </a:r>
-            <a:r>
-              <a:rPr lang="en-US" i="1" baseline="-25000" dirty="0" err="1"/>
-              <a:t>min</a:t>
-            </a:r>
-            <a:r>
-              <a:rPr lang="en-US" dirty="0"/>
-              <a:t>)</a:t>
-            </a:r>
-          </a:p>
-          <a:p>
-            <a:r>
-              <a:rPr lang="en-US" i="1" dirty="0"/>
-              <a:t>NRLINE</a:t>
-            </a:r>
-          </a:p>
-          <a:p>
-            <a:pPr lvl="1"/>
-            <a:r>
-              <a:rPr lang="en-US" dirty="0"/>
-              <a:t>Total number of diagonal lines</a:t>
-            </a:r>
-          </a:p>
-          <a:p>
-            <a:endParaRPr lang="en-US" dirty="0"/>
-          </a:p>
-        </p:txBody>
-      </p:sp>
-      <p:sp>
-        <p:nvSpPr>
-          <p:cNvPr id="2" name="Title 1">
-            <a:extLst>
-              <a:ext uri="{FF2B5EF4-FFF2-40B4-BE49-F238E27FC236}">
-                <a16:creationId xmlns:a16="http://schemas.microsoft.com/office/drawing/2014/main" id="{2C9B3578-7AAA-5446-A965-7FBCA5987BB2}"/>
-              </a:ext>
-            </a:extLst>
-          </p:cNvPr>
-          <p:cNvSpPr>
-            <a:spLocks noGrp="1"/>
-          </p:cNvSpPr>
-          <p:nvPr>
-            <p:ph type="title"/>
-          </p:nvPr>
-        </p:nvSpPr>
-        <p:spPr/>
-        <p:txBody>
-          <a:bodyPr/>
-          <a:lstStyle/>
-          <a:p>
-            <a:r>
-              <a:rPr lang="en-US" dirty="0"/>
-              <a:t>RP Metric Interpretations (1a)</a:t>
-            </a:r>
-          </a:p>
-        </p:txBody>
-      </p:sp>
-      <p:pic>
-        <p:nvPicPr>
-          <p:cNvPr id="8" name="Content Placeholder 15">
-            <a:extLst>
-              <a:ext uri="{FF2B5EF4-FFF2-40B4-BE49-F238E27FC236}">
-                <a16:creationId xmlns:a16="http://schemas.microsoft.com/office/drawing/2014/main" id="{AF8F8F01-FB6E-6B90-675B-C6E63F47432D}"/>
-              </a:ext>
-            </a:extLst>
-          </p:cNvPr>
-          <p:cNvPicPr>
-            <a:picLocks noGrp="1" noChangeAspect="1"/>
-          </p:cNvPicPr>
-          <p:nvPr>
-            <p:ph sz="half" idx="2"/>
-          </p:nvPr>
-        </p:nvPicPr>
-        <p:blipFill>
-          <a:blip r:embed="rId3">
-            <a:extLst>
-              <a:ext uri="{28A0092B-C50C-407E-A947-70E740481C1C}">
-                <a14:useLocalDpi xmlns:a14="http://schemas.microsoft.com/office/drawing/2010/main" val="0"/>
-              </a:ext>
-            </a:extLst>
-          </a:blip>
-          <a:srcRect/>
-          <a:stretch/>
-        </p:blipFill>
-        <p:spPr>
-          <a:xfrm>
-            <a:off x="6172200" y="2057400"/>
-            <a:ext cx="5911850" cy="3279521"/>
-          </a:xfrm>
-        </p:spPr>
-      </p:pic>
-    </p:spTree>
-    <p:extLst>
-      <p:ext uri="{BB962C8B-B14F-4D97-AF65-F5344CB8AC3E}">
-        <p14:creationId xmlns:p14="http://schemas.microsoft.com/office/powerpoint/2010/main" val="959138598"/>
-      </p:ext>
-    </p:extLst>
-  </p:cSld>
-  <p:clrMapOvr>
-    <a:masterClrMapping/>
-  </p:clrMapOvr>
-</p:sld>
-</file>
-
-<file path=ppt/slides/slide21.xml><?xml version="1.0" encoding="utf-8"?>
 <p:sld xmlns:a="http://schemas.openxmlformats.org/drawingml/2006/main" xmlns:r="http://schemas.openxmlformats.org/officeDocument/2006/relationships" xmlns:p="http://schemas.openxmlformats.org/presentationml/2006/main">
   <p:cSld>
     <p:spTree>
@@ -7905,7 +7342,7 @@
 </p:sld>
 </file>
 
-<file path=ppt/slides/slide22.xml><?xml version="1.0" encoding="utf-8"?>
+<file path=ppt/slides/slide21.xml><?xml version="1.0" encoding="utf-8"?>
 <p:sld xmlns:a="http://schemas.openxmlformats.org/drawingml/2006/main" xmlns:r="http://schemas.openxmlformats.org/officeDocument/2006/relationships" xmlns:p="http://schemas.openxmlformats.org/presentationml/2006/main">
   <p:cSld>
     <p:spTree>
@@ -8087,7 +7524,7 @@
 </p:sld>
 </file>
 
-<file path=ppt/slides/slide23.xml><?xml version="1.0" encoding="utf-8"?>
+<file path=ppt/slides/slide22.xml><?xml version="1.0" encoding="utf-8"?>
 <p:sld xmlns:a="http://schemas.openxmlformats.org/drawingml/2006/main" xmlns:r="http://schemas.openxmlformats.org/officeDocument/2006/relationships" xmlns:p="http://schemas.openxmlformats.org/presentationml/2006/main">
   <p:cSld>
     <p:spTree>
@@ -8306,7 +7743,7 @@
 </p:sld>
 </file>
 
-<file path=ppt/slides/slide24.xml><?xml version="1.0" encoding="utf-8"?>
+<file path=ppt/slides/slide23.xml><?xml version="1.0" encoding="utf-8"?>
 <p:sld xmlns:a="http://schemas.openxmlformats.org/drawingml/2006/main" xmlns:r="http://schemas.openxmlformats.org/officeDocument/2006/relationships" xmlns:p="http://schemas.openxmlformats.org/presentationml/2006/main">
   <p:cSld>
     <p:spTree>
@@ -8479,7 +7916,7 @@
 </p:sld>
 </file>
 
-<file path=ppt/slides/slide25.xml><?xml version="1.0" encoding="utf-8"?>
+<file path=ppt/slides/slide24.xml><?xml version="1.0" encoding="utf-8"?>
 <p:sld xmlns:a="http://schemas.openxmlformats.org/drawingml/2006/main" xmlns:r="http://schemas.openxmlformats.org/officeDocument/2006/relationships" xmlns:p="http://schemas.openxmlformats.org/presentationml/2006/main">
   <p:cSld>
     <p:spTree>
@@ -8703,7 +8140,7 @@
 </p:sld>
 </file>
 
-<file path=ppt/slides/slide26.xml><?xml version="1.0" encoding="utf-8"?>
+<file path=ppt/slides/slide25.xml><?xml version="1.0" encoding="utf-8"?>
 <p:sld xmlns:a="http://schemas.openxmlformats.org/drawingml/2006/main" xmlns:r="http://schemas.openxmlformats.org/officeDocument/2006/relationships" xmlns:p="http://schemas.openxmlformats.org/presentationml/2006/main">
   <p:cSld>
     <p:spTree>
@@ -8881,7 +8318,7 @@
 </p:sld>
 </file>
 
-<file path=ppt/slides/slide27.xml><?xml version="1.0" encoding="utf-8"?>
+<file path=ppt/slides/slide26.xml><?xml version="1.0" encoding="utf-8"?>
 <p:sld xmlns:a="http://schemas.openxmlformats.org/drawingml/2006/main" xmlns:r="http://schemas.openxmlformats.org/officeDocument/2006/relationships" xmlns:p="http://schemas.openxmlformats.org/presentationml/2006/main">
   <p:cSld>
     <p:spTree>
@@ -9136,7 +8573,7 @@
 </p:sld>
 </file>
 
-<file path=ppt/slides/slide28.xml><?xml version="1.0" encoding="utf-8"?>
+<file path=ppt/slides/slide27.xml><?xml version="1.0" encoding="utf-8"?>
 <p:sld xmlns:a="http://schemas.openxmlformats.org/drawingml/2006/main" xmlns:r="http://schemas.openxmlformats.org/officeDocument/2006/relationships" xmlns:p="http://schemas.openxmlformats.org/presentationml/2006/main">
   <p:cSld>
     <p:spTree>
@@ -9345,7 +8782,7 @@
 </p:sld>
 </file>
 
-<file path=ppt/slides/slide29.xml><?xml version="1.0" encoding="utf-8"?>
+<file path=ppt/slides/slide28.xml><?xml version="1.0" encoding="utf-8"?>
 <p:sld xmlns:a="http://schemas.openxmlformats.org/drawingml/2006/main" xmlns:r="http://schemas.openxmlformats.org/officeDocument/2006/relationships" xmlns:p="http://schemas.openxmlformats.org/presentationml/2006/main">
   <p:cSld>
     <p:spTree>
@@ -9574,161 +9011,7 @@
 </p:sld>
 </file>
 
-<file path=ppt/slides/slide3.xml><?xml version="1.0" encoding="utf-8"?>
-<p:sld xmlns:a="http://schemas.openxmlformats.org/drawingml/2006/main" xmlns:r="http://schemas.openxmlformats.org/officeDocument/2006/relationships" xmlns:p="http://schemas.openxmlformats.org/presentationml/2006/main">
-  <p:cSld>
-    <p:spTree>
-      <p:nvGrpSpPr>
-        <p:cNvPr id="1" name=""/>
-        <p:cNvGrpSpPr/>
-        <p:nvPr/>
-      </p:nvGrpSpPr>
-      <p:grpSpPr>
-        <a:xfrm>
-          <a:off x="0" y="0"/>
-          <a:ext cx="0" cy="0"/>
-          <a:chOff x="0" y="0"/>
-          <a:chExt cx="0" cy="0"/>
-        </a:xfrm>
-      </p:grpSpPr>
-      <p:sp>
-        <p:nvSpPr>
-          <p:cNvPr id="2" name="Title 1">
-            <a:extLst>
-              <a:ext uri="{FF2B5EF4-FFF2-40B4-BE49-F238E27FC236}">
-                <a16:creationId xmlns:a16="http://schemas.microsoft.com/office/drawing/2014/main" id="{8E18EF31-F090-C04F-85A5-E069B6261CBD}"/>
-              </a:ext>
-            </a:extLst>
-          </p:cNvPr>
-          <p:cNvSpPr>
-            <a:spLocks noGrp="1"/>
-          </p:cNvSpPr>
-          <p:nvPr>
-            <p:ph type="title"/>
-          </p:nvPr>
-        </p:nvSpPr>
-        <p:spPr/>
-        <p:txBody>
-          <a:bodyPr>
-            <a:normAutofit/>
-          </a:bodyPr>
-          <a:lstStyle/>
-          <a:p>
-            <a:r>
-              <a:rPr lang="en-US" dirty="0"/>
-              <a:t>Self-similarity								</a:t>
-            </a:r>
-            <a:r>
-              <a:rPr lang="en-US" sz="2000" dirty="0"/>
-              <a:t>(if time)</a:t>
-            </a:r>
-            <a:endParaRPr lang="en-US" sz="2200" dirty="0"/>
-          </a:p>
-        </p:txBody>
-      </p:sp>
-      <p:sp>
-        <p:nvSpPr>
-          <p:cNvPr id="3" name="Content Placeholder 2">
-            <a:extLst>
-              <a:ext uri="{FF2B5EF4-FFF2-40B4-BE49-F238E27FC236}">
-                <a16:creationId xmlns:a16="http://schemas.microsoft.com/office/drawing/2014/main" id="{993FCF62-C026-8F46-ABEB-6B2AD0D79754}"/>
-              </a:ext>
-            </a:extLst>
-          </p:cNvPr>
-          <p:cNvSpPr>
-            <a:spLocks noGrp="1"/>
-          </p:cNvSpPr>
-          <p:nvPr>
-            <p:ph idx="1"/>
-          </p:nvPr>
-        </p:nvSpPr>
-        <p:spPr/>
-        <p:txBody>
-          <a:bodyPr/>
-          <a:lstStyle/>
-          <a:p>
-            <a:r>
-              <a:rPr lang="en-US" dirty="0"/>
-              <a:t>The same at multiple (all) scales</a:t>
-            </a:r>
-          </a:p>
-          <a:p>
-            <a:r>
-              <a:rPr lang="en-US" dirty="0"/>
-              <a:t>Statistical self-similarity vs. actual self-similarity</a:t>
-            </a:r>
-          </a:p>
-          <a:p>
-            <a:pPr lvl="1"/>
-            <a:r>
-              <a:rPr lang="en-US" dirty="0"/>
-              <a:t>Real data isn’t such a perfect fit</a:t>
-            </a:r>
-          </a:p>
-          <a:p>
-            <a:pPr lvl="2"/>
-            <a:r>
-              <a:rPr lang="en-US" dirty="0"/>
-              <a:t>When is anything real a perfect fit?</a:t>
-            </a:r>
-          </a:p>
-          <a:p>
-            <a:pPr lvl="1"/>
-            <a:r>
-              <a:rPr lang="en-US" dirty="0"/>
-              <a:t>Same process, though</a:t>
-            </a:r>
-          </a:p>
-          <a:p>
-            <a:r>
-              <a:rPr lang="en-US" dirty="0"/>
-              <a:t>Many things are self-similar</a:t>
-            </a:r>
-          </a:p>
-          <a:p>
-            <a:pPr lvl="1"/>
-            <a:r>
-              <a:rPr lang="en-US" dirty="0"/>
-              <a:t>City maps</a:t>
-            </a:r>
-          </a:p>
-          <a:p>
-            <a:pPr lvl="1"/>
-            <a:r>
-              <a:rPr lang="en-US" dirty="0"/>
-              <a:t>Circulatory system</a:t>
-            </a:r>
-          </a:p>
-          <a:p>
-            <a:pPr lvl="1"/>
-            <a:r>
-              <a:rPr lang="en-US" dirty="0"/>
-              <a:t>Tree branches</a:t>
-            </a:r>
-          </a:p>
-          <a:p>
-            <a:pPr lvl="1"/>
-            <a:r>
-              <a:rPr lang="en-US" dirty="0"/>
-              <a:t>Coastlines</a:t>
-            </a:r>
-          </a:p>
-        </p:txBody>
-      </p:sp>
-    </p:spTree>
-    <p:extLst>
-      <p:ext uri="{BB962C8B-B14F-4D97-AF65-F5344CB8AC3E}">
-        <p14:creationId xmlns:p14="http://schemas.microsoft.com/office/powerpoint/2010/main" val="647040793"/>
-      </p:ext>
-    </p:extLst>
-  </p:cSld>
-  <p:clrMapOvr>
-    <a:masterClrMapping/>
-  </p:clrMapOvr>
-</p:sld>
-</file>
-
-<file path=ppt/slides/slide30.xml><?xml version="1.0" encoding="utf-8"?>
+<file path=ppt/slides/slide29.xml><?xml version="1.0" encoding="utf-8"?>
 <p:sld xmlns:a="http://schemas.openxmlformats.org/drawingml/2006/main" xmlns:r="http://schemas.openxmlformats.org/officeDocument/2006/relationships" xmlns:p="http://schemas.openxmlformats.org/presentationml/2006/main">
   <p:cSld>
     <p:spTree>
@@ -9911,422 +9194,7 @@
 </p:sld>
 </file>
 
-<file path=ppt/slides/slide31.xml><?xml version="1.0" encoding="utf-8"?>
-<p:sld xmlns:a="http://schemas.openxmlformats.org/drawingml/2006/main" xmlns:r="http://schemas.openxmlformats.org/officeDocument/2006/relationships" xmlns:p="http://schemas.openxmlformats.org/presentationml/2006/main">
-  <p:cSld>
-    <p:spTree>
-      <p:nvGrpSpPr>
-        <p:cNvPr id="1" name=""/>
-        <p:cNvGrpSpPr/>
-        <p:nvPr/>
-      </p:nvGrpSpPr>
-      <p:grpSpPr>
-        <a:xfrm>
-          <a:off x="0" y="0"/>
-          <a:ext cx="0" cy="0"/>
-          <a:chOff x="0" y="0"/>
-          <a:chExt cx="0" cy="0"/>
-        </a:xfrm>
-      </p:grpSpPr>
-      <p:sp>
-        <p:nvSpPr>
-          <p:cNvPr id="2" name="Title 1">
-            <a:extLst>
-              <a:ext uri="{FF2B5EF4-FFF2-40B4-BE49-F238E27FC236}">
-                <a16:creationId xmlns:a16="http://schemas.microsoft.com/office/drawing/2014/main" id="{55AE4508-CC4B-B544-ABC7-41A1E8954714}"/>
-              </a:ext>
-            </a:extLst>
-          </p:cNvPr>
-          <p:cNvSpPr>
-            <a:spLocks noGrp="1"/>
-          </p:cNvSpPr>
-          <p:nvPr>
-            <p:ph type="title"/>
-          </p:nvPr>
-        </p:nvSpPr>
-        <p:spPr/>
-        <p:txBody>
-          <a:bodyPr/>
-          <a:lstStyle/>
-          <a:p>
-            <a:r>
-              <a:rPr lang="en-US" dirty="0"/>
-              <a:t>Repository of this week					</a:t>
-            </a:r>
-            <a:r>
-              <a:rPr lang="en-US" sz="2000" dirty="0"/>
-              <a:t>(11:25)</a:t>
-            </a:r>
-          </a:p>
-        </p:txBody>
-      </p:sp>
-      <p:sp>
-        <p:nvSpPr>
-          <p:cNvPr id="3" name="Content Placeholder 2">
-            <a:extLst>
-              <a:ext uri="{FF2B5EF4-FFF2-40B4-BE49-F238E27FC236}">
-                <a16:creationId xmlns:a16="http://schemas.microsoft.com/office/drawing/2014/main" id="{6B2A8E12-E73C-CF46-9A64-06775DFD9A0A}"/>
-              </a:ext>
-            </a:extLst>
-          </p:cNvPr>
-          <p:cNvSpPr>
-            <a:spLocks noGrp="1"/>
-          </p:cNvSpPr>
-          <p:nvPr>
-            <p:ph idx="1"/>
-          </p:nvPr>
-        </p:nvSpPr>
-        <p:spPr/>
-        <p:txBody>
-          <a:bodyPr/>
-          <a:lstStyle/>
-          <a:p>
-            <a:r>
-              <a:rPr lang="en-US" dirty="0"/>
-              <a:t>Repository of everything: </a:t>
-            </a:r>
-            <a:r>
-              <a:rPr lang="en-US" dirty="0">
-                <a:hlinkClick r:id="rId2"/>
-              </a:rPr>
-              <a:t>https://barneyricca.github.io/NDSWorkshop</a:t>
-            </a:r>
-            <a:endParaRPr lang="en-US" dirty="0"/>
-          </a:p>
-          <a:p>
-            <a:pPr lvl="1"/>
-            <a:r>
-              <a:rPr lang="en-US" dirty="0"/>
-              <a:t>This includes the data files</a:t>
-            </a:r>
-          </a:p>
-          <a:p>
-            <a:pPr lvl="1"/>
-            <a:r>
-              <a:rPr lang="en-US" dirty="0"/>
-              <a:t>This includes the PPTX files, so you have some notes if you need them</a:t>
-            </a:r>
-          </a:p>
-          <a:p>
-            <a:pPr lvl="1"/>
-            <a:r>
-              <a:rPr lang="en-US" dirty="0"/>
-              <a:t>This includes the scripts I write (posted after I write them)</a:t>
-            </a:r>
-          </a:p>
-          <a:p>
-            <a:r>
-              <a:rPr lang="en-US" dirty="0"/>
-              <a:t>But don’t peek</a:t>
-            </a:r>
-          </a:p>
-          <a:p>
-            <a:pPr lvl="1"/>
-            <a:r>
-              <a:rPr lang="en-US" dirty="0"/>
-              <a:t>You’ll learn more if you don’t peek ahead of time</a:t>
-            </a:r>
-          </a:p>
-          <a:p>
-            <a:pPr lvl="1"/>
-            <a:r>
-              <a:rPr lang="en-US" dirty="0"/>
-              <a:t>Entries may be edited during the workshop</a:t>
-            </a:r>
-          </a:p>
-          <a:p>
-            <a:endParaRPr lang="en-US" dirty="0"/>
-          </a:p>
-        </p:txBody>
-      </p:sp>
-    </p:spTree>
-    <p:extLst>
-      <p:ext uri="{BB962C8B-B14F-4D97-AF65-F5344CB8AC3E}">
-        <p14:creationId xmlns:p14="http://schemas.microsoft.com/office/powerpoint/2010/main" val="923616653"/>
-      </p:ext>
-    </p:extLst>
-  </p:cSld>
-  <p:clrMapOvr>
-    <a:masterClrMapping/>
-  </p:clrMapOvr>
-</p:sld>
-</file>
-
-<file path=ppt/slides/slide32.xml><?xml version="1.0" encoding="utf-8"?>
-<p:sld xmlns:a="http://schemas.openxmlformats.org/drawingml/2006/main" xmlns:r="http://schemas.openxmlformats.org/officeDocument/2006/relationships" xmlns:p="http://schemas.openxmlformats.org/presentationml/2006/main">
-  <p:cSld>
-    <p:spTree>
-      <p:nvGrpSpPr>
-        <p:cNvPr id="1" name=""/>
-        <p:cNvGrpSpPr/>
-        <p:nvPr/>
-      </p:nvGrpSpPr>
-      <p:grpSpPr>
-        <a:xfrm>
-          <a:off x="0" y="0"/>
-          <a:ext cx="0" cy="0"/>
-          <a:chOff x="0" y="0"/>
-          <a:chExt cx="0" cy="0"/>
-        </a:xfrm>
-      </p:grpSpPr>
-      <p:sp>
-        <p:nvSpPr>
-          <p:cNvPr id="4" name="Title 3">
-            <a:extLst>
-              <a:ext uri="{FF2B5EF4-FFF2-40B4-BE49-F238E27FC236}">
-                <a16:creationId xmlns:a16="http://schemas.microsoft.com/office/drawing/2014/main" id="{7E5B6C8C-8297-4941-8AD1-30C5AAFCA274}"/>
-              </a:ext>
-            </a:extLst>
-          </p:cNvPr>
-          <p:cNvSpPr>
-            <a:spLocks noGrp="1"/>
-          </p:cNvSpPr>
-          <p:nvPr>
-            <p:ph type="title"/>
-          </p:nvPr>
-        </p:nvSpPr>
-        <p:spPr>
-          <a:xfrm>
-            <a:off x="831850" y="1709738"/>
-            <a:ext cx="10515600" cy="2852737"/>
-          </a:xfrm>
-        </p:spPr>
-        <p:txBody>
-          <a:bodyPr/>
-          <a:lstStyle/>
-          <a:p>
-            <a:r>
-              <a:rPr lang="en-US" dirty="0"/>
-              <a:t>Lunch</a:t>
-            </a:r>
-          </a:p>
-        </p:txBody>
-      </p:sp>
-      <p:sp>
-        <p:nvSpPr>
-          <p:cNvPr id="7" name="Text Placeholder 6">
-            <a:extLst>
-              <a:ext uri="{FF2B5EF4-FFF2-40B4-BE49-F238E27FC236}">
-                <a16:creationId xmlns:a16="http://schemas.microsoft.com/office/drawing/2014/main" id="{E1047217-B6CD-4861-9E4F-30299107AD05}"/>
-              </a:ext>
-            </a:extLst>
-          </p:cNvPr>
-          <p:cNvSpPr>
-            <a:spLocks noGrp="1"/>
-          </p:cNvSpPr>
-          <p:nvPr>
-            <p:ph type="body" idx="1"/>
-          </p:nvPr>
-        </p:nvSpPr>
-        <p:spPr/>
-        <p:txBody>
-          <a:bodyPr>
-            <a:normAutofit lnSpcReduction="10000"/>
-          </a:bodyPr>
-          <a:lstStyle/>
-          <a:p>
-            <a:r>
-              <a:rPr lang="en-US" dirty="0"/>
-              <a:t>Send me your text files, please!</a:t>
-            </a:r>
-          </a:p>
-          <a:p>
-            <a:r>
-              <a:rPr lang="en-US" dirty="0"/>
-              <a:t>We’ll reconvene at 1:30</a:t>
-            </a:r>
-          </a:p>
-        </p:txBody>
-      </p:sp>
-    </p:spTree>
-    <p:extLst>
-      <p:ext uri="{BB962C8B-B14F-4D97-AF65-F5344CB8AC3E}">
-        <p14:creationId xmlns:p14="http://schemas.microsoft.com/office/powerpoint/2010/main" val="2809649465"/>
-      </p:ext>
-    </p:extLst>
-  </p:cSld>
-  <p:clrMapOvr>
-    <a:masterClrMapping/>
-  </p:clrMapOvr>
-</p:sld>
-</file>
-
-<file path=ppt/slides/slide33.xml><?xml version="1.0" encoding="utf-8"?>
-<p:sld xmlns:a="http://schemas.openxmlformats.org/drawingml/2006/main" xmlns:r="http://schemas.openxmlformats.org/officeDocument/2006/relationships" xmlns:p="http://schemas.openxmlformats.org/presentationml/2006/main">
-  <p:cSld>
-    <p:spTree>
-      <p:nvGrpSpPr>
-        <p:cNvPr id="1" name=""/>
-        <p:cNvGrpSpPr/>
-        <p:nvPr/>
-      </p:nvGrpSpPr>
-      <p:grpSpPr>
-        <a:xfrm>
-          <a:off x="0" y="0"/>
-          <a:ext cx="0" cy="0"/>
-          <a:chOff x="0" y="0"/>
-          <a:chExt cx="0" cy="0"/>
-        </a:xfrm>
-      </p:grpSpPr>
-    </p:spTree>
-    <p:extLst>
-      <p:ext uri="{BB962C8B-B14F-4D97-AF65-F5344CB8AC3E}">
-        <p14:creationId xmlns:p14="http://schemas.microsoft.com/office/powerpoint/2010/main" val="60846181"/>
-      </p:ext>
-    </p:extLst>
-  </p:cSld>
-  <p:clrMapOvr>
-    <a:masterClrMapping/>
-  </p:clrMapOvr>
-</p:sld>
-</file>
-
-<file path=ppt/slides/slide4.xml><?xml version="1.0" encoding="utf-8"?>
-<p:sld xmlns:a="http://schemas.openxmlformats.org/drawingml/2006/main" xmlns:r="http://schemas.openxmlformats.org/officeDocument/2006/relationships" xmlns:p="http://schemas.openxmlformats.org/presentationml/2006/main">
-  <p:cSld>
-    <p:spTree>
-      <p:nvGrpSpPr>
-        <p:cNvPr id="1" name=""/>
-        <p:cNvGrpSpPr/>
-        <p:nvPr/>
-      </p:nvGrpSpPr>
-      <p:grpSpPr>
-        <a:xfrm>
-          <a:off x="0" y="0"/>
-          <a:ext cx="0" cy="0"/>
-          <a:chOff x="0" y="0"/>
-          <a:chExt cx="0" cy="0"/>
-        </a:xfrm>
-      </p:grpSpPr>
-      <p:sp>
-        <p:nvSpPr>
-          <p:cNvPr id="2" name="Title 1">
-            <a:extLst>
-              <a:ext uri="{FF2B5EF4-FFF2-40B4-BE49-F238E27FC236}">
-                <a16:creationId xmlns:a16="http://schemas.microsoft.com/office/drawing/2014/main" id="{8E18EF31-F090-C04F-85A5-E069B6261CBD}"/>
-              </a:ext>
-            </a:extLst>
-          </p:cNvPr>
-          <p:cNvSpPr>
-            <a:spLocks noGrp="1"/>
-          </p:cNvSpPr>
-          <p:nvPr>
-            <p:ph type="title"/>
-          </p:nvPr>
-        </p:nvSpPr>
-        <p:spPr/>
-        <p:txBody>
-          <a:bodyPr>
-            <a:normAutofit/>
-          </a:bodyPr>
-          <a:lstStyle/>
-          <a:p>
-            <a:r>
-              <a:rPr lang="en-US" dirty="0"/>
-              <a:t>Dimension									</a:t>
-            </a:r>
-            <a:r>
-              <a:rPr lang="en-US" sz="2000" dirty="0"/>
-              <a:t>(if time)</a:t>
-            </a:r>
-            <a:endParaRPr lang="en-US" sz="2200" dirty="0"/>
-          </a:p>
-        </p:txBody>
-      </p:sp>
-      <p:sp>
-        <p:nvSpPr>
-          <p:cNvPr id="3" name="Content Placeholder 2">
-            <a:extLst>
-              <a:ext uri="{FF2B5EF4-FFF2-40B4-BE49-F238E27FC236}">
-                <a16:creationId xmlns:a16="http://schemas.microsoft.com/office/drawing/2014/main" id="{993FCF62-C026-8F46-ABEB-6B2AD0D79754}"/>
-              </a:ext>
-            </a:extLst>
-          </p:cNvPr>
-          <p:cNvSpPr>
-            <a:spLocks noGrp="1"/>
-          </p:cNvSpPr>
-          <p:nvPr>
-            <p:ph idx="1"/>
-          </p:nvPr>
-        </p:nvSpPr>
-        <p:spPr/>
-        <p:txBody>
-          <a:bodyPr/>
-          <a:lstStyle/>
-          <a:p>
-            <a:r>
-              <a:rPr lang="en-US" dirty="0"/>
-              <a:t>There are many different dimensional measures</a:t>
-            </a:r>
-          </a:p>
-          <a:p>
-            <a:pPr lvl="1"/>
-            <a:r>
-              <a:rPr lang="en-US" dirty="0"/>
-              <a:t>Geometric</a:t>
-            </a:r>
-          </a:p>
-          <a:p>
-            <a:pPr lvl="1"/>
-            <a:r>
-              <a:rPr lang="en-US" dirty="0"/>
-              <a:t>Box counting</a:t>
-            </a:r>
-          </a:p>
-          <a:p>
-            <a:pPr lvl="1"/>
-            <a:r>
-              <a:rPr lang="en-US" dirty="0"/>
-              <a:t>Lines</a:t>
-            </a:r>
-          </a:p>
-          <a:p>
-            <a:pPr lvl="1"/>
-            <a:r>
-              <a:rPr lang="en-US" dirty="0" err="1"/>
-              <a:t>Hausdorff</a:t>
-            </a:r>
-            <a:endParaRPr lang="en-US" dirty="0"/>
-          </a:p>
-          <a:p>
-            <a:pPr lvl="1"/>
-            <a:r>
-              <a:rPr lang="en-US" dirty="0"/>
-              <a:t>Etc., etc.</a:t>
-            </a:r>
-          </a:p>
-          <a:p>
-            <a:r>
-              <a:rPr lang="en-US" dirty="0"/>
-              <a:t>Be sure you are consistent in your use</a:t>
-            </a:r>
-          </a:p>
-          <a:p>
-            <a:r>
-              <a:rPr lang="en-US" dirty="0"/>
-              <a:t>All are similar in their approach</a:t>
-            </a:r>
-          </a:p>
-          <a:p>
-            <a:pPr lvl="1"/>
-            <a:endParaRPr lang="en-US" dirty="0"/>
-          </a:p>
-        </p:txBody>
-      </p:sp>
-    </p:spTree>
-    <p:extLst>
-      <p:ext uri="{BB962C8B-B14F-4D97-AF65-F5344CB8AC3E}">
-        <p14:creationId xmlns:p14="http://schemas.microsoft.com/office/powerpoint/2010/main" val="2310443092"/>
-      </p:ext>
-    </p:extLst>
-  </p:cSld>
-  <p:clrMapOvr>
-    <a:masterClrMapping/>
-  </p:clrMapOvr>
-</p:sld>
-</file>
-
-<file path=ppt/slides/slide5.xml><?xml version="1.0" encoding="utf-8"?>
+<file path=ppt/slides/slide3.xml><?xml version="1.0" encoding="utf-8"?>
 <p:sld xmlns:a="http://schemas.openxmlformats.org/drawingml/2006/main" xmlns:r="http://schemas.openxmlformats.org/officeDocument/2006/relationships" xmlns:p="http://schemas.openxmlformats.org/presentationml/2006/main">
   <p:cSld>
     <p:spTree>
@@ -10659,6 +9527,581 @@
 </p:sld>
 </file>
 
+<file path=ppt/slides/slide30.xml><?xml version="1.0" encoding="utf-8"?>
+<p:sld xmlns:a="http://schemas.openxmlformats.org/drawingml/2006/main" xmlns:r="http://schemas.openxmlformats.org/officeDocument/2006/relationships" xmlns:p="http://schemas.openxmlformats.org/presentationml/2006/main">
+  <p:cSld>
+    <p:spTree>
+      <p:nvGrpSpPr>
+        <p:cNvPr id="1" name=""/>
+        <p:cNvGrpSpPr/>
+        <p:nvPr/>
+      </p:nvGrpSpPr>
+      <p:grpSpPr>
+        <a:xfrm>
+          <a:off x="0" y="0"/>
+          <a:ext cx="0" cy="0"/>
+          <a:chOff x="0" y="0"/>
+          <a:chExt cx="0" cy="0"/>
+        </a:xfrm>
+      </p:grpSpPr>
+      <p:sp>
+        <p:nvSpPr>
+          <p:cNvPr id="2" name="Title 1">
+            <a:extLst>
+              <a:ext uri="{FF2B5EF4-FFF2-40B4-BE49-F238E27FC236}">
+                <a16:creationId xmlns:a16="http://schemas.microsoft.com/office/drawing/2014/main" id="{55AE4508-CC4B-B544-ABC7-41A1E8954714}"/>
+              </a:ext>
+            </a:extLst>
+          </p:cNvPr>
+          <p:cNvSpPr>
+            <a:spLocks noGrp="1"/>
+          </p:cNvSpPr>
+          <p:nvPr>
+            <p:ph type="title"/>
+          </p:nvPr>
+        </p:nvSpPr>
+        <p:spPr/>
+        <p:txBody>
+          <a:bodyPr/>
+          <a:lstStyle/>
+          <a:p>
+            <a:r>
+              <a:rPr lang="en-US" dirty="0"/>
+              <a:t>Repository of this week					</a:t>
+            </a:r>
+            <a:r>
+              <a:rPr lang="en-US" sz="2000" dirty="0"/>
+              <a:t>(11:25)</a:t>
+            </a:r>
+          </a:p>
+        </p:txBody>
+      </p:sp>
+      <p:sp>
+        <p:nvSpPr>
+          <p:cNvPr id="3" name="Content Placeholder 2">
+            <a:extLst>
+              <a:ext uri="{FF2B5EF4-FFF2-40B4-BE49-F238E27FC236}">
+                <a16:creationId xmlns:a16="http://schemas.microsoft.com/office/drawing/2014/main" id="{6B2A8E12-E73C-CF46-9A64-06775DFD9A0A}"/>
+              </a:ext>
+            </a:extLst>
+          </p:cNvPr>
+          <p:cNvSpPr>
+            <a:spLocks noGrp="1"/>
+          </p:cNvSpPr>
+          <p:nvPr>
+            <p:ph idx="1"/>
+          </p:nvPr>
+        </p:nvSpPr>
+        <p:spPr/>
+        <p:txBody>
+          <a:bodyPr/>
+          <a:lstStyle/>
+          <a:p>
+            <a:r>
+              <a:rPr lang="en-US" dirty="0"/>
+              <a:t>Repository of everything: </a:t>
+            </a:r>
+            <a:r>
+              <a:rPr lang="en-US" dirty="0">
+                <a:hlinkClick r:id="rId2"/>
+              </a:rPr>
+              <a:t>https://barneyricca.github.io/NDSWorkshop</a:t>
+            </a:r>
+            <a:endParaRPr lang="en-US" dirty="0"/>
+          </a:p>
+          <a:p>
+            <a:pPr lvl="1"/>
+            <a:r>
+              <a:rPr lang="en-US" dirty="0"/>
+              <a:t>This includes the data files</a:t>
+            </a:r>
+          </a:p>
+          <a:p>
+            <a:pPr lvl="1"/>
+            <a:r>
+              <a:rPr lang="en-US" dirty="0"/>
+              <a:t>This includes the PPTX files, so you have some notes if you need them</a:t>
+            </a:r>
+          </a:p>
+          <a:p>
+            <a:pPr lvl="1"/>
+            <a:r>
+              <a:rPr lang="en-US" dirty="0"/>
+              <a:t>This includes the scripts I write (posted after I write them)</a:t>
+            </a:r>
+          </a:p>
+          <a:p>
+            <a:r>
+              <a:rPr lang="en-US" dirty="0"/>
+              <a:t>But don’t peek</a:t>
+            </a:r>
+          </a:p>
+          <a:p>
+            <a:pPr lvl="1"/>
+            <a:r>
+              <a:rPr lang="en-US" dirty="0"/>
+              <a:t>You’ll learn more if you don’t peek ahead of time</a:t>
+            </a:r>
+          </a:p>
+          <a:p>
+            <a:pPr lvl="1"/>
+            <a:r>
+              <a:rPr lang="en-US" dirty="0"/>
+              <a:t>Entries may be edited during the workshop</a:t>
+            </a:r>
+          </a:p>
+          <a:p>
+            <a:endParaRPr lang="en-US" dirty="0"/>
+          </a:p>
+        </p:txBody>
+      </p:sp>
+    </p:spTree>
+    <p:extLst>
+      <p:ext uri="{BB962C8B-B14F-4D97-AF65-F5344CB8AC3E}">
+        <p14:creationId xmlns:p14="http://schemas.microsoft.com/office/powerpoint/2010/main" val="923616653"/>
+      </p:ext>
+    </p:extLst>
+  </p:cSld>
+  <p:clrMapOvr>
+    <a:masterClrMapping/>
+  </p:clrMapOvr>
+</p:sld>
+</file>
+
+<file path=ppt/slides/slide31.xml><?xml version="1.0" encoding="utf-8"?>
+<p:sld xmlns:a="http://schemas.openxmlformats.org/drawingml/2006/main" xmlns:r="http://schemas.openxmlformats.org/officeDocument/2006/relationships" xmlns:p="http://schemas.openxmlformats.org/presentationml/2006/main">
+  <p:cSld>
+    <p:spTree>
+      <p:nvGrpSpPr>
+        <p:cNvPr id="1" name=""/>
+        <p:cNvGrpSpPr/>
+        <p:nvPr/>
+      </p:nvGrpSpPr>
+      <p:grpSpPr>
+        <a:xfrm>
+          <a:off x="0" y="0"/>
+          <a:ext cx="0" cy="0"/>
+          <a:chOff x="0" y="0"/>
+          <a:chExt cx="0" cy="0"/>
+        </a:xfrm>
+      </p:grpSpPr>
+      <p:sp>
+        <p:nvSpPr>
+          <p:cNvPr id="4" name="Title 3">
+            <a:extLst>
+              <a:ext uri="{FF2B5EF4-FFF2-40B4-BE49-F238E27FC236}">
+                <a16:creationId xmlns:a16="http://schemas.microsoft.com/office/drawing/2014/main" id="{7E5B6C8C-8297-4941-8AD1-30C5AAFCA274}"/>
+              </a:ext>
+            </a:extLst>
+          </p:cNvPr>
+          <p:cNvSpPr>
+            <a:spLocks noGrp="1"/>
+          </p:cNvSpPr>
+          <p:nvPr>
+            <p:ph type="title"/>
+          </p:nvPr>
+        </p:nvSpPr>
+        <p:spPr>
+          <a:xfrm>
+            <a:off x="831850" y="1709738"/>
+            <a:ext cx="10515600" cy="2852737"/>
+          </a:xfrm>
+        </p:spPr>
+        <p:txBody>
+          <a:bodyPr/>
+          <a:lstStyle/>
+          <a:p>
+            <a:r>
+              <a:rPr lang="en-US" dirty="0"/>
+              <a:t>Lunch</a:t>
+            </a:r>
+          </a:p>
+        </p:txBody>
+      </p:sp>
+      <p:sp>
+        <p:nvSpPr>
+          <p:cNvPr id="7" name="Text Placeholder 6">
+            <a:extLst>
+              <a:ext uri="{FF2B5EF4-FFF2-40B4-BE49-F238E27FC236}">
+                <a16:creationId xmlns:a16="http://schemas.microsoft.com/office/drawing/2014/main" id="{E1047217-B6CD-4861-9E4F-30299107AD05}"/>
+              </a:ext>
+            </a:extLst>
+          </p:cNvPr>
+          <p:cNvSpPr>
+            <a:spLocks noGrp="1"/>
+          </p:cNvSpPr>
+          <p:nvPr>
+            <p:ph type="body" idx="1"/>
+          </p:nvPr>
+        </p:nvSpPr>
+        <p:spPr/>
+        <p:txBody>
+          <a:bodyPr>
+            <a:normAutofit/>
+          </a:bodyPr>
+          <a:lstStyle/>
+          <a:p>
+            <a:r>
+              <a:rPr lang="en-US" dirty="0"/>
+              <a:t>We’ll reconvene at 1:30</a:t>
+            </a:r>
+          </a:p>
+        </p:txBody>
+      </p:sp>
+    </p:spTree>
+    <p:extLst>
+      <p:ext uri="{BB962C8B-B14F-4D97-AF65-F5344CB8AC3E}">
+        <p14:creationId xmlns:p14="http://schemas.microsoft.com/office/powerpoint/2010/main" val="2809649465"/>
+      </p:ext>
+    </p:extLst>
+  </p:cSld>
+  <p:clrMapOvr>
+    <a:masterClrMapping/>
+  </p:clrMapOvr>
+</p:sld>
+</file>
+
+<file path=ppt/slides/slide32.xml><?xml version="1.0" encoding="utf-8"?>
+<p:sld xmlns:a="http://schemas.openxmlformats.org/drawingml/2006/main" xmlns:r="http://schemas.openxmlformats.org/officeDocument/2006/relationships" xmlns:p="http://schemas.openxmlformats.org/presentationml/2006/main">
+  <p:cSld>
+    <p:spTree>
+      <p:nvGrpSpPr>
+        <p:cNvPr id="1" name=""/>
+        <p:cNvGrpSpPr/>
+        <p:nvPr/>
+      </p:nvGrpSpPr>
+      <p:grpSpPr>
+        <a:xfrm>
+          <a:off x="0" y="0"/>
+          <a:ext cx="0" cy="0"/>
+          <a:chOff x="0" y="0"/>
+          <a:chExt cx="0" cy="0"/>
+        </a:xfrm>
+      </p:grpSpPr>
+    </p:spTree>
+    <p:extLst>
+      <p:ext uri="{BB962C8B-B14F-4D97-AF65-F5344CB8AC3E}">
+        <p14:creationId xmlns:p14="http://schemas.microsoft.com/office/powerpoint/2010/main" val="60846181"/>
+      </p:ext>
+    </p:extLst>
+  </p:cSld>
+  <p:clrMapOvr>
+    <a:masterClrMapping/>
+  </p:clrMapOvr>
+</p:sld>
+</file>
+
+<file path=ppt/slides/slide4.xml><?xml version="1.0" encoding="utf-8"?>
+<p:sld xmlns:a="http://schemas.openxmlformats.org/drawingml/2006/main" xmlns:r="http://schemas.openxmlformats.org/officeDocument/2006/relationships" xmlns:p="http://schemas.openxmlformats.org/presentationml/2006/main">
+  <p:cSld>
+    <p:spTree>
+      <p:nvGrpSpPr>
+        <p:cNvPr id="1" name=""/>
+        <p:cNvGrpSpPr/>
+        <p:nvPr/>
+      </p:nvGrpSpPr>
+      <p:grpSpPr>
+        <a:xfrm>
+          <a:off x="0" y="0"/>
+          <a:ext cx="0" cy="0"/>
+          <a:chOff x="0" y="0"/>
+          <a:chExt cx="0" cy="0"/>
+        </a:xfrm>
+      </p:grpSpPr>
+      <p:sp>
+        <p:nvSpPr>
+          <p:cNvPr id="2" name="Title 1">
+            <a:extLst>
+              <a:ext uri="{FF2B5EF4-FFF2-40B4-BE49-F238E27FC236}">
+                <a16:creationId xmlns:a16="http://schemas.microsoft.com/office/drawing/2014/main" id="{E34A30FA-C621-769F-C888-876F640722A8}"/>
+              </a:ext>
+            </a:extLst>
+          </p:cNvPr>
+          <p:cNvSpPr>
+            <a:spLocks noGrp="1"/>
+          </p:cNvSpPr>
+          <p:nvPr>
+            <p:ph type="title"/>
+          </p:nvPr>
+        </p:nvSpPr>
+        <p:spPr/>
+        <p:txBody>
+          <a:bodyPr/>
+          <a:lstStyle/>
+          <a:p>
+            <a:r>
+              <a:rPr lang="en-US" dirty="0"/>
+              <a:t>Discussion about Fractals				</a:t>
+            </a:r>
+            <a:r>
+              <a:rPr lang="en-US" sz="2000" dirty="0"/>
+              <a:t>(8:50)</a:t>
+            </a:r>
+          </a:p>
+        </p:txBody>
+      </p:sp>
+      <p:sp>
+        <p:nvSpPr>
+          <p:cNvPr id="3" name="Content Placeholder 2">
+            <a:extLst>
+              <a:ext uri="{FF2B5EF4-FFF2-40B4-BE49-F238E27FC236}">
+                <a16:creationId xmlns:a16="http://schemas.microsoft.com/office/drawing/2014/main" id="{2F0AAEA1-9491-E799-7D42-936922DAA6F7}"/>
+              </a:ext>
+            </a:extLst>
+          </p:cNvPr>
+          <p:cNvSpPr>
+            <a:spLocks noGrp="1"/>
+          </p:cNvSpPr>
+          <p:nvPr>
+            <p:ph idx="1"/>
+          </p:nvPr>
+        </p:nvSpPr>
+        <p:spPr/>
+        <p:txBody>
+          <a:bodyPr/>
+          <a:lstStyle/>
+          <a:p>
+            <a:r>
+              <a:rPr lang="en-US" dirty="0"/>
+              <a:t>Meaning of dimension?</a:t>
+            </a:r>
+          </a:p>
+          <a:p>
+            <a:pPr lvl="1"/>
+            <a:r>
+              <a:rPr lang="en-US" dirty="0"/>
+              <a:t>Fractional dimension as a balance</a:t>
+            </a:r>
+          </a:p>
+          <a:p>
+            <a:r>
+              <a:rPr lang="en-US" dirty="0"/>
+              <a:t>Are fractals constrained random entities? </a:t>
+            </a:r>
+          </a:p>
+          <a:p>
+            <a:r>
+              <a:rPr lang="en-US" dirty="0"/>
+              <a:t>Are fractals endogenous entities?</a:t>
+            </a:r>
+          </a:p>
+          <a:p>
+            <a:endParaRPr lang="en-US" dirty="0"/>
+          </a:p>
+        </p:txBody>
+      </p:sp>
+    </p:spTree>
+    <p:extLst>
+      <p:ext uri="{BB962C8B-B14F-4D97-AF65-F5344CB8AC3E}">
+        <p14:creationId xmlns:p14="http://schemas.microsoft.com/office/powerpoint/2010/main" val="2608138985"/>
+      </p:ext>
+    </p:extLst>
+  </p:cSld>
+  <p:clrMapOvr>
+    <a:masterClrMapping/>
+  </p:clrMapOvr>
+</p:sld>
+</file>
+
+<file path=ppt/slides/slide5.xml><?xml version="1.0" encoding="utf-8"?>
+<p:sld xmlns:a="http://schemas.openxmlformats.org/drawingml/2006/main" xmlns:r="http://schemas.openxmlformats.org/officeDocument/2006/relationships" xmlns:p="http://schemas.openxmlformats.org/presentationml/2006/main">
+  <p:cSld>
+    <p:spTree>
+      <p:nvGrpSpPr>
+        <p:cNvPr id="1" name=""/>
+        <p:cNvGrpSpPr/>
+        <p:nvPr/>
+      </p:nvGrpSpPr>
+      <p:grpSpPr>
+        <a:xfrm>
+          <a:off x="0" y="0"/>
+          <a:ext cx="0" cy="0"/>
+          <a:chOff x="0" y="0"/>
+          <a:chExt cx="0" cy="0"/>
+        </a:xfrm>
+      </p:grpSpPr>
+      <p:sp>
+        <p:nvSpPr>
+          <p:cNvPr id="2" name="Title 1">
+            <a:extLst>
+              <a:ext uri="{FF2B5EF4-FFF2-40B4-BE49-F238E27FC236}">
+                <a16:creationId xmlns:a16="http://schemas.microsoft.com/office/drawing/2014/main" id="{5443B48B-A9A1-4206-F2F9-CD7D75A23BCE}"/>
+              </a:ext>
+            </a:extLst>
+          </p:cNvPr>
+          <p:cNvSpPr>
+            <a:spLocks noGrp="1"/>
+          </p:cNvSpPr>
+          <p:nvPr>
+            <p:ph type="title"/>
+          </p:nvPr>
+        </p:nvSpPr>
+        <p:spPr/>
+        <p:txBody>
+          <a:bodyPr>
+            <a:normAutofit/>
+          </a:bodyPr>
+          <a:lstStyle/>
+          <a:p>
+            <a:r>
+              <a:rPr lang="en-US" dirty="0"/>
+              <a:t>Categorical Sequence Power Laws		</a:t>
+            </a:r>
+            <a:r>
+              <a:rPr lang="en-US" sz="2000" dirty="0"/>
+              <a:t>(9:05)</a:t>
+            </a:r>
+          </a:p>
+        </p:txBody>
+      </p:sp>
+      <p:sp>
+        <p:nvSpPr>
+          <p:cNvPr id="3" name="Content Placeholder 2">
+            <a:extLst>
+              <a:ext uri="{FF2B5EF4-FFF2-40B4-BE49-F238E27FC236}">
+                <a16:creationId xmlns:a16="http://schemas.microsoft.com/office/drawing/2014/main" id="{9D7EB11E-A980-7119-791D-B4291E830D77}"/>
+              </a:ext>
+            </a:extLst>
+          </p:cNvPr>
+          <p:cNvSpPr>
+            <a:spLocks noGrp="1"/>
+          </p:cNvSpPr>
+          <p:nvPr>
+            <p:ph idx="1"/>
+          </p:nvPr>
+        </p:nvSpPr>
+        <p:spPr/>
+        <p:txBody>
+          <a:bodyPr/>
+          <a:lstStyle/>
+          <a:p>
+            <a:r>
+              <a:rPr lang="en-US" dirty="0"/>
+              <a:t>Not regression-style data, but time series data</a:t>
+            </a:r>
+          </a:p>
+          <a:p>
+            <a:r>
+              <a:rPr lang="en-US" dirty="0"/>
+              <a:t>Create a distribution of codes</a:t>
+            </a:r>
+          </a:p>
+          <a:p>
+            <a:pPr lvl="1"/>
+            <a:r>
+              <a:rPr lang="en-US" dirty="0"/>
+              <a:t>Time series – dynamics – time scales?</a:t>
+            </a:r>
+          </a:p>
+          <a:p>
+            <a:pPr lvl="1"/>
+            <a:r>
+              <a:rPr lang="en-US" dirty="0"/>
+              <a:t>Orbital decomposition (</a:t>
+            </a:r>
+            <a:r>
+              <a:rPr lang="en-US" dirty="0" err="1"/>
+              <a:t>Guastello</a:t>
+            </a:r>
+            <a:r>
+              <a:rPr lang="en-US" dirty="0"/>
+              <a:t> et al., 1998) to find appropriate time scale</a:t>
+            </a:r>
+          </a:p>
+          <a:p>
+            <a:r>
+              <a:rPr lang="en-US" dirty="0"/>
+              <a:t>Power Law Distributions</a:t>
+            </a:r>
+          </a:p>
+          <a:p>
+            <a:pPr lvl="1"/>
+            <a:r>
+              <a:rPr lang="en-US" i="1" dirty="0"/>
+              <a:t>P(x)</a:t>
+            </a:r>
+            <a:r>
+              <a:rPr lang="en-US" dirty="0"/>
+              <a:t> = </a:t>
+            </a:r>
+            <a:r>
+              <a:rPr lang="en-US" i="1" dirty="0"/>
+              <a:t>ax</a:t>
+            </a:r>
+            <a:r>
+              <a:rPr lang="en-US" i="1" baseline="30000" dirty="0"/>
+              <a:t>-b</a:t>
+            </a:r>
+          </a:p>
+          <a:p>
+            <a:pPr lvl="1"/>
+            <a:r>
+              <a:rPr lang="en-US" dirty="0"/>
+              <a:t>Use </a:t>
+            </a:r>
+            <a:r>
+              <a:rPr lang="en-US" i="1" dirty="0"/>
+              <a:t>ranks</a:t>
+            </a:r>
+            <a:r>
+              <a:rPr lang="en-US" dirty="0"/>
+              <a:t> (</a:t>
+            </a:r>
+            <a:r>
+              <a:rPr lang="en-US" i="1" dirty="0"/>
+              <a:t>x</a:t>
+            </a:r>
+            <a:r>
+              <a:rPr lang="en-US" dirty="0"/>
+              <a:t>) and </a:t>
+            </a:r>
+            <a:r>
+              <a:rPr lang="en-US" i="1" dirty="0"/>
+              <a:t>frequencies</a:t>
+            </a:r>
+            <a:r>
+              <a:rPr lang="en-US" dirty="0"/>
+              <a:t> (</a:t>
+            </a:r>
+            <a:r>
+              <a:rPr lang="en-US" i="1" dirty="0"/>
+              <a:t>P</a:t>
+            </a:r>
+            <a:r>
+              <a:rPr lang="en-US" dirty="0"/>
+              <a:t>) for fit</a:t>
+            </a:r>
+          </a:p>
+          <a:p>
+            <a:pPr lvl="1"/>
+            <a:r>
+              <a:rPr lang="en-US" dirty="0"/>
+              <a:t>Warning: Mathematical subtleties galore (</a:t>
+            </a:r>
+            <a:r>
+              <a:rPr lang="en-US" dirty="0" err="1"/>
+              <a:t>Clauset</a:t>
+            </a:r>
+            <a:r>
+              <a:rPr lang="en-US" dirty="0"/>
+              <a:t> et al., 2009)</a:t>
+            </a:r>
+          </a:p>
+        </p:txBody>
+      </p:sp>
+    </p:spTree>
+    <p:extLst>
+      <p:ext uri="{BB962C8B-B14F-4D97-AF65-F5344CB8AC3E}">
+        <p14:creationId xmlns:p14="http://schemas.microsoft.com/office/powerpoint/2010/main" val="1775547472"/>
+      </p:ext>
+    </p:extLst>
+  </p:cSld>
+  <p:clrMapOvr>
+    <a:masterClrMapping/>
+  </p:clrMapOvr>
+</p:sld>
+</file>
+
 <file path=ppt/slides/slide6.xml><?xml version="1.0" encoding="utf-8"?>
 <p:sld xmlns:a="http://schemas.openxmlformats.org/drawingml/2006/main" xmlns:r="http://schemas.openxmlformats.org/officeDocument/2006/relationships" xmlns:p="http://schemas.openxmlformats.org/presentationml/2006/main">
   <p:cSld>
@@ -10681,7 +10124,7 @@
           <p:cNvPr id="2" name="Title 1">
             <a:extLst>
               <a:ext uri="{FF2B5EF4-FFF2-40B4-BE49-F238E27FC236}">
-                <a16:creationId xmlns:a16="http://schemas.microsoft.com/office/drawing/2014/main" id="{E34A30FA-C621-769F-C888-876F640722A8}"/>
+                <a16:creationId xmlns:a16="http://schemas.microsoft.com/office/drawing/2014/main" id="{96E4A3EF-497D-3351-BDB8-3E10CA17BC00}"/>
               </a:ext>
             </a:extLst>
           </p:cNvPr>
@@ -10699,11 +10142,11 @@
           <a:p>
             <a:r>
               <a:rPr lang="en-US" dirty="0"/>
-              <a:t>Discussion about Fractals				</a:t>
+              <a:t>Why do we care?							</a:t>
             </a:r>
             <a:r>
               <a:rPr lang="en-US" sz="2000" dirty="0"/>
-              <a:t>(8:45)</a:t>
+              <a:t>(9:15)</a:t>
             </a:r>
           </a:p>
         </p:txBody>
@@ -10713,7 +10156,7 @@
           <p:cNvPr id="3" name="Content Placeholder 2">
             <a:extLst>
               <a:ext uri="{FF2B5EF4-FFF2-40B4-BE49-F238E27FC236}">
-                <a16:creationId xmlns:a16="http://schemas.microsoft.com/office/drawing/2014/main" id="{2F0AAEA1-9491-E799-7D42-936922DAA6F7}"/>
+                <a16:creationId xmlns:a16="http://schemas.microsoft.com/office/drawing/2014/main" id="{AFD1A536-EC98-C130-BE1A-0D6F4F818D1D}"/>
               </a:ext>
             </a:extLst>
           </p:cNvPr>
@@ -10731,37 +10174,35 @@
           <a:p>
             <a:r>
               <a:rPr lang="en-US" dirty="0"/>
-              <a:t>Meaning of dimension?</a:t>
+              <a:t>Many self-organizing systems demonstrate power law distributions</a:t>
+            </a:r>
+          </a:p>
+          <a:p>
+            <a:r>
+              <a:rPr lang="en-US" dirty="0"/>
+              <a:t>Pincus et al.: Inverse power law demonstrates a balance between coherence and flexibility</a:t>
             </a:r>
           </a:p>
           <a:p>
             <a:pPr lvl="1"/>
             <a:r>
               <a:rPr lang="en-US" dirty="0"/>
-              <a:t>Fractional dimension as a balance</a:t>
-            </a:r>
-          </a:p>
-          <a:p>
-            <a:r>
-              <a:rPr lang="en-US" dirty="0"/>
-              <a:t>Are fractals constrained random entities? </a:t>
-            </a:r>
-          </a:p>
-          <a:p>
-            <a:r>
-              <a:rPr lang="en-US" dirty="0"/>
-              <a:t>Are fractals endogenous entities?</a:t>
-            </a:r>
-          </a:p>
-          <a:p>
-            <a:endParaRPr lang="en-US" dirty="0"/>
+              <a:t>Goldilocks principal mostly likely at work when it comes to the exponent</a:t>
+            </a:r>
+          </a:p>
+          <a:p>
+            <a:pPr lvl="1"/>
+            <a:r>
+              <a:rPr lang="en-US" dirty="0"/>
+              <a:t>Goodness of fit may also be important</a:t>
+            </a:r>
           </a:p>
         </p:txBody>
       </p:sp>
     </p:spTree>
     <p:extLst>
       <p:ext uri="{BB962C8B-B14F-4D97-AF65-F5344CB8AC3E}">
-        <p14:creationId xmlns:p14="http://schemas.microsoft.com/office/powerpoint/2010/main" val="2608138985"/>
+        <p14:creationId xmlns:p14="http://schemas.microsoft.com/office/powerpoint/2010/main" val="1661483147"/>
       </p:ext>
     </p:extLst>
   </p:cSld>
@@ -10793,7 +10234,7 @@
           <p:cNvPr id="2" name="Title 1">
             <a:extLst>
               <a:ext uri="{FF2B5EF4-FFF2-40B4-BE49-F238E27FC236}">
-                <a16:creationId xmlns:a16="http://schemas.microsoft.com/office/drawing/2014/main" id="{5443B48B-A9A1-4206-F2F9-CD7D75A23BCE}"/>
+                <a16:creationId xmlns:a16="http://schemas.microsoft.com/office/drawing/2014/main" id="{9E26A6A0-3377-D140-9A3A-CA2D14FA1E92}"/>
               </a:ext>
             </a:extLst>
           </p:cNvPr>
@@ -10805,6 +10246,43 @@
           </p:nvPr>
         </p:nvSpPr>
         <p:spPr/>
+        <p:txBody>
+          <a:bodyPr/>
+          <a:lstStyle/>
+          <a:p>
+            <a:r>
+              <a:rPr lang="en-US" dirty="0"/>
+              <a:t>Power Laws								</a:t>
+            </a:r>
+            <a:r>
+              <a:rPr lang="en-US" sz="2000" dirty="0"/>
+              <a:t>(9:20)</a:t>
+            </a:r>
+          </a:p>
+        </p:txBody>
+      </p:sp>
+      <p:sp>
+        <p:nvSpPr>
+          <p:cNvPr id="3" name="Content Placeholder 2">
+            <a:extLst>
+              <a:ext uri="{FF2B5EF4-FFF2-40B4-BE49-F238E27FC236}">
+                <a16:creationId xmlns:a16="http://schemas.microsoft.com/office/drawing/2014/main" id="{2528B0F5-0C4B-634B-8BA3-C49FBE227DEC}"/>
+              </a:ext>
+            </a:extLst>
+          </p:cNvPr>
+          <p:cNvSpPr>
+            <a:spLocks noGrp="1"/>
+          </p:cNvSpPr>
+          <p:nvPr>
+            <p:ph idx="1"/>
+          </p:nvPr>
+        </p:nvSpPr>
+        <p:spPr>
+          <a:xfrm>
+            <a:off x="838200" y="1651057"/>
+            <a:ext cx="10515600" cy="4720245"/>
+          </a:xfrm>
+        </p:spPr>
         <p:txBody>
           <a:bodyPr>
             <a:normAutofit/>
@@ -10813,146 +10291,74 @@
           <a:p>
             <a:r>
               <a:rPr lang="en-US" dirty="0"/>
-              <a:t>Categorical Sequence Power Laws		</a:t>
-            </a:r>
-            <a:r>
-              <a:rPr lang="en-US" sz="2000" dirty="0"/>
-              <a:t>(9:00)</a:t>
-            </a:r>
-          </a:p>
-        </p:txBody>
-      </p:sp>
-      <p:sp>
-        <p:nvSpPr>
-          <p:cNvPr id="3" name="Content Placeholder 2">
-            <a:extLst>
-              <a:ext uri="{FF2B5EF4-FFF2-40B4-BE49-F238E27FC236}">
-                <a16:creationId xmlns:a16="http://schemas.microsoft.com/office/drawing/2014/main" id="{9D7EB11E-A980-7119-791D-B4291E830D77}"/>
-              </a:ext>
-            </a:extLst>
-          </p:cNvPr>
-          <p:cNvSpPr>
-            <a:spLocks noGrp="1"/>
-          </p:cNvSpPr>
-          <p:nvPr>
-            <p:ph idx="1"/>
-          </p:nvPr>
-        </p:nvSpPr>
-        <p:spPr/>
-        <p:txBody>
-          <a:bodyPr/>
-          <a:lstStyle/>
-          <a:p>
-            <a:r>
-              <a:rPr lang="en-US" dirty="0"/>
-              <a:t>Not regression-style data, but time series data</a:t>
-            </a:r>
-          </a:p>
-          <a:p>
-            <a:r>
-              <a:rPr lang="en-US" dirty="0"/>
-              <a:t>Create a distribution of codes</a:t>
+              <a:t>How to fit them:</a:t>
             </a:r>
           </a:p>
           <a:p>
             <a:pPr lvl="1"/>
             <a:r>
               <a:rPr lang="en-US" dirty="0"/>
-              <a:t>Time series – dynamics – time scales?</a:t>
+              <a:t>Log-log plots are a quick indicator</a:t>
+            </a:r>
+          </a:p>
+          <a:p>
+            <a:pPr lvl="2"/>
+            <a:r>
+              <a:rPr lang="en-US" dirty="0"/>
+              <a:t>Fitting the log-log plot can be badly biased, but until one has theory that predicts a given exponent, it probably doesn’t matter</a:t>
             </a:r>
           </a:p>
           <a:p>
             <a:pPr lvl="1"/>
             <a:r>
               <a:rPr lang="en-US" dirty="0"/>
-              <a:t>Orbital decomposition (</a:t>
-            </a:r>
-            <a:r>
-              <a:rPr lang="en-US" dirty="0" err="1"/>
-              <a:t>Guastello</a:t>
-            </a:r>
-            <a:r>
-              <a:rPr lang="en-US" dirty="0"/>
-              <a:t> et al., 1998) to find appropriate time scale</a:t>
-            </a:r>
-          </a:p>
-          <a:p>
-            <a:r>
-              <a:rPr lang="en-US" dirty="0"/>
-              <a:t>Power Law Distributions</a:t>
-            </a:r>
-          </a:p>
-          <a:p>
-            <a:pPr lvl="1"/>
-            <a:r>
-              <a:rPr lang="en-US" i="1" dirty="0"/>
-              <a:t>P(x)</a:t>
-            </a:r>
-            <a:r>
-              <a:rPr lang="en-US" dirty="0"/>
-              <a:t> = </a:t>
-            </a:r>
-            <a:r>
-              <a:rPr lang="en-US" i="1" dirty="0"/>
-              <a:t>ax</a:t>
-            </a:r>
-            <a:r>
-              <a:rPr lang="en-US" i="1" baseline="30000" dirty="0"/>
-              <a:t>-b</a:t>
-            </a:r>
-          </a:p>
-          <a:p>
-            <a:pPr lvl="1"/>
-            <a:r>
-              <a:rPr lang="en-US" dirty="0"/>
-              <a:t>Use </a:t>
-            </a:r>
-            <a:r>
-              <a:rPr lang="en-US" i="1" dirty="0"/>
-              <a:t>ranks</a:t>
-            </a:r>
-            <a:r>
-              <a:rPr lang="en-US" dirty="0"/>
-              <a:t> (</a:t>
-            </a:r>
-            <a:r>
-              <a:rPr lang="en-US" i="1" dirty="0"/>
-              <a:t>x</a:t>
-            </a:r>
-            <a:r>
-              <a:rPr lang="en-US" dirty="0"/>
-              <a:t>) and </a:t>
-            </a:r>
-            <a:r>
-              <a:rPr lang="en-US" i="1" dirty="0"/>
-              <a:t>frequencies</a:t>
-            </a:r>
-            <a:r>
-              <a:rPr lang="en-US" dirty="0"/>
-              <a:t> (</a:t>
-            </a:r>
-            <a:r>
-              <a:rPr lang="en-US" i="1" dirty="0"/>
-              <a:t>P</a:t>
-            </a:r>
-            <a:r>
-              <a:rPr lang="en-US" dirty="0"/>
-              <a:t>) for fit</a:t>
-            </a:r>
-          </a:p>
-          <a:p>
-            <a:pPr lvl="1"/>
-            <a:r>
-              <a:rPr lang="en-US" dirty="0"/>
-              <a:t>Warning: Mathematical subtleties galore (</a:t>
-            </a:r>
+              <a:t>Many refinements (e.g., lower threshold)</a:t>
+            </a:r>
+          </a:p>
+          <a:p>
+            <a:pPr lvl="2"/>
             <a:r>
               <a:rPr lang="en-US" dirty="0" err="1"/>
               <a:t>Clauset</a:t>
             </a:r>
             <a:r>
               <a:rPr lang="en-US" dirty="0"/>
-              <a:t> et al., 2009)</a:t>
+              <a:t> et al. (2009)</a:t>
+            </a:r>
+          </a:p>
+          <a:p>
+            <a:pPr lvl="1"/>
+            <a:r>
+              <a:rPr lang="en-US" dirty="0"/>
+              <a:t>Ongoing debates (lognormal vs. power law)</a:t>
+            </a:r>
+          </a:p>
+          <a:p>
+            <a:pPr lvl="1"/>
+            <a:r>
+              <a:rPr lang="en-US" dirty="0"/>
+              <a:t>Warnings: Many different definitions</a:t>
+            </a:r>
+          </a:p>
+          <a:p>
+            <a:pPr lvl="2"/>
+            <a:r>
+              <a:rPr lang="en-US" dirty="0"/>
+              <a:t>May not include negative signs</a:t>
+            </a:r>
+          </a:p>
+          <a:p>
+            <a:pPr lvl="2"/>
+            <a:r>
+              <a:rPr lang="en-US" dirty="0"/>
+              <a:t>CDF vs. PDF</a:t>
+            </a:r>
+          </a:p>
+          <a:p>
+            <a:pPr lvl="2"/>
+            <a:r>
+              <a:rPr lang="en-US" dirty="0"/>
+              <a:t>Result: Most times 1 - shape = power</a:t>
             </a:r>
           </a:p>
         </p:txBody>
@@ -10960,7 +10366,7 @@
     </p:spTree>
     <p:extLst>
       <p:ext uri="{BB962C8B-B14F-4D97-AF65-F5344CB8AC3E}">
-        <p14:creationId xmlns:p14="http://schemas.microsoft.com/office/powerpoint/2010/main" val="1775547472"/>
+        <p14:creationId xmlns:p14="http://schemas.microsoft.com/office/powerpoint/2010/main" val="1242964219"/>
       </p:ext>
     </p:extLst>
   </p:cSld>
@@ -10992,7 +10398,7 @@
           <p:cNvPr id="2" name="Title 1">
             <a:extLst>
               <a:ext uri="{FF2B5EF4-FFF2-40B4-BE49-F238E27FC236}">
-                <a16:creationId xmlns:a16="http://schemas.microsoft.com/office/drawing/2014/main" id="{96E4A3EF-497D-3351-BDB8-3E10CA17BC00}"/>
+                <a16:creationId xmlns:a16="http://schemas.microsoft.com/office/drawing/2014/main" id="{E5299276-A810-5B46-BC7C-511AB1093EC9}"/>
               </a:ext>
             </a:extLst>
           </p:cNvPr>
@@ -11010,11 +10416,11 @@
           <a:p>
             <a:r>
               <a:rPr lang="en-US" dirty="0"/>
-              <a:t>Why do we care?							</a:t>
+              <a:t>Fitting Power Law to Data				</a:t>
             </a:r>
             <a:r>
               <a:rPr lang="en-US" sz="2000" dirty="0"/>
-              <a:t>(9:10)</a:t>
+              <a:t>(9:25)</a:t>
             </a:r>
           </a:p>
         </p:txBody>
@@ -11024,7 +10430,7 @@
           <p:cNvPr id="3" name="Content Placeholder 2">
             <a:extLst>
               <a:ext uri="{FF2B5EF4-FFF2-40B4-BE49-F238E27FC236}">
-                <a16:creationId xmlns:a16="http://schemas.microsoft.com/office/drawing/2014/main" id="{AFD1A536-EC98-C130-BE1A-0D6F4F818D1D}"/>
+                <a16:creationId xmlns:a16="http://schemas.microsoft.com/office/drawing/2014/main" id="{97561536-3D7E-B143-BCAF-05107B81D015}"/>
               </a:ext>
             </a:extLst>
           </p:cNvPr>
@@ -11042,27 +10448,115 @@
           <a:p>
             <a:r>
               <a:rPr lang="en-US" dirty="0"/>
-              <a:t>Many self-organizing systems demonstrate power law distributions</a:t>
-            </a:r>
-          </a:p>
-          <a:p>
-            <a:r>
-              <a:rPr lang="en-US" dirty="0"/>
-              <a:t>Pincus et al.: Inverse power law demonstrates a balance between coherence and flexibility</a:t>
+              <a:t>The gold standard: </a:t>
+            </a:r>
+            <a:r>
+              <a:rPr lang="en-US" dirty="0" err="1"/>
+              <a:t>Clauset</a:t>
+            </a:r>
+            <a:r>
+              <a:rPr lang="en-US" dirty="0"/>
+              <a:t> et al. (2009)</a:t>
             </a:r>
           </a:p>
           <a:p>
             <a:pPr lvl="1"/>
             <a:r>
               <a:rPr lang="en-US" dirty="0"/>
-              <a:t>Goldilocks principal mostly likely at work when it comes to the exponent</a:t>
-            </a:r>
+              <a:t>Package </a:t>
+            </a:r>
+            <a:r>
+              <a:rPr lang="en-US" dirty="0" err="1">
+                <a:latin typeface="Consolas" panose="020B0609020204030204" pitchFamily="49" charset="0"/>
+                <a:cs typeface="Consolas" panose="020B0609020204030204" pitchFamily="49" charset="0"/>
+              </a:rPr>
+              <a:t>poweRlaw</a:t>
+            </a:r>
+            <a:endParaRPr lang="en-US" dirty="0">
+              <a:latin typeface="Consolas" panose="020B0609020204030204" pitchFamily="49" charset="0"/>
+              <a:cs typeface="Consolas" panose="020B0609020204030204" pitchFamily="49" charset="0"/>
+            </a:endParaRPr>
           </a:p>
           <a:p>
             <a:pPr lvl="1"/>
             <a:r>
               <a:rPr lang="en-US" dirty="0"/>
-              <a:t>Goodness of fit may also be important</a:t>
+              <a:t>This is embedded in </a:t>
+            </a:r>
+            <a:r>
+              <a:rPr lang="en-US" dirty="0" err="1">
+                <a:latin typeface="Consolas" panose="020B0609020204030204" pitchFamily="49" charset="0"/>
+                <a:cs typeface="Consolas" panose="020B0609020204030204" pitchFamily="49" charset="0"/>
+              </a:rPr>
+              <a:t>IPL_fit</a:t>
+            </a:r>
+            <a:r>
+              <a:rPr lang="en-US" dirty="0">
+                <a:latin typeface="Consolas" panose="020B0609020204030204" pitchFamily="49" charset="0"/>
+                <a:cs typeface="Consolas" panose="020B0609020204030204" pitchFamily="49" charset="0"/>
+              </a:rPr>
+              <a:t>()</a:t>
+            </a:r>
+          </a:p>
+          <a:p>
+            <a:r>
+              <a:rPr lang="en-US" dirty="0" err="1">
+                <a:latin typeface="Consolas" panose="020B0609020204030204" pitchFamily="49" charset="0"/>
+                <a:cs typeface="Consolas" panose="020B0609020204030204" pitchFamily="49" charset="0"/>
+              </a:rPr>
+              <a:t>IPL_fit</a:t>
+            </a:r>
+            <a:r>
+              <a:rPr lang="en-US" dirty="0">
+                <a:latin typeface="Consolas" panose="020B0609020204030204" pitchFamily="49" charset="0"/>
+                <a:cs typeface="Consolas" panose="020B0609020204030204" pitchFamily="49" charset="0"/>
+              </a:rPr>
+              <a:t>(…)</a:t>
+            </a:r>
+          </a:p>
+          <a:p>
+            <a:pPr lvl="1"/>
+            <a:r>
+              <a:rPr lang="en-US" dirty="0"/>
+              <a:t>Use orbital decomposition, </a:t>
+            </a:r>
+            <a:r>
+              <a:rPr lang="en-US" dirty="0" err="1">
+                <a:latin typeface="Consolas" panose="020B0609020204030204" pitchFamily="49" charset="0"/>
+                <a:cs typeface="Consolas" panose="020B0609020204030204" pitchFamily="49" charset="0"/>
+              </a:rPr>
+              <a:t>orbde</a:t>
+            </a:r>
+            <a:r>
+              <a:rPr lang="en-US" dirty="0">
+                <a:latin typeface="Consolas" panose="020B0609020204030204" pitchFamily="49" charset="0"/>
+                <a:cs typeface="Consolas" panose="020B0609020204030204" pitchFamily="49" charset="0"/>
+              </a:rPr>
+              <a:t>()</a:t>
+            </a:r>
+            <a:r>
+              <a:rPr lang="en-US" dirty="0"/>
+              <a:t>, first to determine appropriate scale, </a:t>
+            </a:r>
+            <a:r>
+              <a:rPr lang="en-US" i="1" dirty="0"/>
+              <a:t>C</a:t>
+            </a:r>
+          </a:p>
+          <a:p>
+            <a:r>
+              <a:rPr lang="en-US" dirty="0" err="1">
+                <a:latin typeface="Consolas" panose="020B0609020204030204" pitchFamily="49" charset="0"/>
+                <a:cs typeface="Consolas" panose="020B0609020204030204" pitchFamily="49" charset="0"/>
+              </a:rPr>
+              <a:t>log_power_fit</a:t>
+            </a:r>
+            <a:r>
+              <a:rPr lang="en-US" dirty="0">
+                <a:latin typeface="Consolas" panose="020B0609020204030204" pitchFamily="49" charset="0"/>
+                <a:cs typeface="Consolas" panose="020B0609020204030204" pitchFamily="49" charset="0"/>
+              </a:rPr>
+              <a:t>(…)</a:t>
             </a:r>
           </a:p>
         </p:txBody>
@@ -11070,7 +10564,7 @@
     </p:spTree>
     <p:extLst>
       <p:ext uri="{BB962C8B-B14F-4D97-AF65-F5344CB8AC3E}">
-        <p14:creationId xmlns:p14="http://schemas.microsoft.com/office/powerpoint/2010/main" val="1661483147"/>
+        <p14:creationId xmlns:p14="http://schemas.microsoft.com/office/powerpoint/2010/main" val="2038387199"/>
       </p:ext>
     </p:extLst>
   </p:cSld>
@@ -11102,7 +10596,7 @@
           <p:cNvPr id="2" name="Title 1">
             <a:extLst>
               <a:ext uri="{FF2B5EF4-FFF2-40B4-BE49-F238E27FC236}">
-                <a16:creationId xmlns:a16="http://schemas.microsoft.com/office/drawing/2014/main" id="{9E26A6A0-3377-D140-9A3A-CA2D14FA1E92}"/>
+                <a16:creationId xmlns:a16="http://schemas.microsoft.com/office/drawing/2014/main" id="{7D1BE2F5-882B-5A41-8111-3AADE37A54BD}"/>
               </a:ext>
             </a:extLst>
           </p:cNvPr>
@@ -11120,11 +10614,11 @@
           <a:p>
             <a:r>
               <a:rPr lang="en-US" dirty="0"/>
-              <a:t>Power Laws								</a:t>
+              <a:t>Example									</a:t>
             </a:r>
             <a:r>
               <a:rPr lang="en-US" sz="2000" dirty="0"/>
-              <a:t>(9:15)</a:t>
+              <a:t>(9:30)</a:t>
             </a:r>
           </a:p>
         </p:txBody>
@@ -11134,7 +10628,7 @@
           <p:cNvPr id="3" name="Content Placeholder 2">
             <a:extLst>
               <a:ext uri="{FF2B5EF4-FFF2-40B4-BE49-F238E27FC236}">
-                <a16:creationId xmlns:a16="http://schemas.microsoft.com/office/drawing/2014/main" id="{2528B0F5-0C4B-634B-8BA3-C49FBE227DEC}"/>
+                <a16:creationId xmlns:a16="http://schemas.microsoft.com/office/drawing/2014/main" id="{32382601-42E2-F04E-8F3F-9709FB53457F}"/>
               </a:ext>
             </a:extLst>
           </p:cNvPr>
@@ -11145,12 +10639,7 @@
             <p:ph idx="1"/>
           </p:nvPr>
         </p:nvSpPr>
-        <p:spPr>
-          <a:xfrm>
-            <a:off x="838200" y="1651057"/>
-            <a:ext cx="10515600" cy="4720245"/>
-          </a:xfrm>
-        </p:spPr>
+        <p:spPr/>
         <p:txBody>
           <a:bodyPr>
             <a:normAutofit/>
@@ -11159,75 +10648,152 @@
           <a:p>
             <a:r>
               <a:rPr lang="en-US" dirty="0"/>
-              <a:t>How to fit them:</a:t>
+              <a:t>Example (RJ data)</a:t>
             </a:r>
           </a:p>
           <a:p>
             <a:pPr lvl="1"/>
             <a:r>
-              <a:rPr lang="en-US" dirty="0"/>
-              <a:t>Log-log plots are a quick indicator</a:t>
+              <a:rPr lang="en-US" dirty="0" err="1">
+                <a:latin typeface="Consolas" panose="020B0609020204030204" pitchFamily="49" charset="0"/>
+                <a:cs typeface="Consolas" panose="020B0609020204030204" pitchFamily="49" charset="0"/>
+              </a:rPr>
+              <a:t>orbde</a:t>
+            </a:r>
+            <a:r>
+              <a:rPr lang="en-US" dirty="0">
+                <a:latin typeface="Consolas" panose="020B0609020204030204" pitchFamily="49" charset="0"/>
+                <a:cs typeface="Consolas" panose="020B0609020204030204" pitchFamily="49" charset="0"/>
+              </a:rPr>
+              <a:t>(pull(</a:t>
+            </a:r>
+            <a:r>
+              <a:rPr lang="en-US" dirty="0" err="1">
+                <a:latin typeface="Consolas" panose="020B0609020204030204" pitchFamily="49" charset="0"/>
+                <a:cs typeface="Consolas" panose="020B0609020204030204" pitchFamily="49" charset="0"/>
+              </a:rPr>
+              <a:t>read.csv</a:t>
+            </a:r>
+            <a:r>
+              <a:rPr lang="en-US" dirty="0">
+                <a:latin typeface="Consolas" panose="020B0609020204030204" pitchFamily="49" charset="0"/>
+                <a:cs typeface="Consolas" panose="020B0609020204030204" pitchFamily="49" charset="0"/>
+              </a:rPr>
+              <a:t>("https://bit.ly/NDSMacro1")))</a:t>
             </a:r>
           </a:p>
           <a:p>
             <a:pPr lvl="2"/>
             <a:r>
               <a:rPr lang="en-US" dirty="0"/>
-              <a:t>Fitting the log-log plot can be badly biased, but until one has theory that predicts a given exponent, it probably doesn’t matter</a:t>
+              <a:t>Find </a:t>
+            </a:r>
+            <a:r>
+              <a:rPr lang="en-US" i="1" dirty="0"/>
+              <a:t>C</a:t>
             </a:r>
           </a:p>
           <a:p>
             <a:pPr lvl="1"/>
             <a:r>
-              <a:rPr lang="en-US" dirty="0"/>
-              <a:t>Many refinements (e.g., lower threshold)</a:t>
-            </a:r>
-          </a:p>
-          <a:p>
-            <a:pPr lvl="2"/>
-            <a:r>
-              <a:rPr lang="en-US" dirty="0" err="1"/>
-              <a:t>Clauset</a:t>
-            </a:r>
-            <a:r>
-              <a:rPr lang="en-US" dirty="0"/>
-              <a:t> et al. (2009)</a:t>
+              <a:rPr lang="en-US" dirty="0" err="1">
+                <a:latin typeface="Consolas" panose="020B0609020204030204" pitchFamily="49" charset="0"/>
+                <a:cs typeface="Consolas" panose="020B0609020204030204" pitchFamily="49" charset="0"/>
+              </a:rPr>
+              <a:t>IPL_fit</a:t>
+            </a:r>
+            <a:r>
+              <a:rPr lang="en-US" dirty="0">
+                <a:latin typeface="Consolas" panose="020B0609020204030204" pitchFamily="49" charset="0"/>
+                <a:cs typeface="Consolas" panose="020B0609020204030204" pitchFamily="49" charset="0"/>
+              </a:rPr>
+              <a:t>(pull(</a:t>
+            </a:r>
+            <a:r>
+              <a:rPr lang="en-US" dirty="0" err="1">
+                <a:latin typeface="Consolas" panose="020B0609020204030204" pitchFamily="49" charset="0"/>
+                <a:cs typeface="Consolas" panose="020B0609020204030204" pitchFamily="49" charset="0"/>
+              </a:rPr>
+              <a:t>read.csv</a:t>
+            </a:r>
+            <a:r>
+              <a:rPr lang="en-US" dirty="0">
+                <a:latin typeface="Consolas" panose="020B0609020204030204" pitchFamily="49" charset="0"/>
+                <a:cs typeface="Consolas" panose="020B0609020204030204" pitchFamily="49" charset="0"/>
+              </a:rPr>
+              <a:t>(https://bit.ly/NDSMacro1)),</a:t>
+            </a:r>
+          </a:p>
+          <a:p>
+            <a:pPr marL="457200" lvl="1" indent="0">
+              <a:buNone/>
+            </a:pPr>
+            <a:r>
+              <a:rPr lang="en-US" i="1" dirty="0">
+                <a:latin typeface="Consolas" panose="020B0609020204030204" pitchFamily="49" charset="0"/>
+                <a:cs typeface="Consolas" panose="020B0609020204030204" pitchFamily="49" charset="0"/>
+              </a:rPr>
+              <a:t>         &lt;put C here&gt;</a:t>
+            </a:r>
+            <a:r>
+              <a:rPr lang="en-US" dirty="0">
+                <a:latin typeface="Consolas" panose="020B0609020204030204" pitchFamily="49" charset="0"/>
+                <a:cs typeface="Consolas" panose="020B0609020204030204" pitchFamily="49" charset="0"/>
+              </a:rPr>
+              <a:t>)</a:t>
+            </a:r>
+            <a:endParaRPr lang="en-US" dirty="0"/>
+          </a:p>
+          <a:p>
+            <a:r>
+              <a:rPr lang="en-US" dirty="0"/>
+              <a:t>Interpretation</a:t>
             </a:r>
           </a:p>
           <a:p>
             <a:pPr lvl="1"/>
             <a:r>
               <a:rPr lang="en-US" dirty="0"/>
-              <a:t>Ongoing debates (lognormal vs. power law)</a:t>
+              <a:t>Shape parameter (exponent)</a:t>
             </a:r>
           </a:p>
           <a:p>
             <a:pPr lvl="1"/>
             <a:r>
-              <a:rPr lang="en-US" dirty="0"/>
-              <a:t>Warnings: Many different definitions</a:t>
-            </a:r>
-          </a:p>
-          <a:p>
-            <a:pPr lvl="2"/>
-            <a:r>
-              <a:rPr lang="en-US" dirty="0"/>
-              <a:t>May not include negative signs</a:t>
-            </a:r>
-          </a:p>
-          <a:p>
-            <a:pPr lvl="2"/>
-            <a:r>
-              <a:rPr lang="en-US" dirty="0"/>
-              <a:t>CDF vs. PDF</a:t>
-            </a:r>
+              <a:rPr lang="en-US" i="1" dirty="0"/>
+              <a:t>R</a:t>
+            </a:r>
+            <a:r>
+              <a:rPr lang="en-US" i="1" baseline="30000" dirty="0"/>
+              <a:t>2</a:t>
+            </a:r>
+            <a:r>
+              <a:rPr lang="en-US" dirty="0"/>
+              <a:t> (goodness of fit)</a:t>
+            </a:r>
+            <a:endParaRPr lang="en-US" i="1" baseline="30000" dirty="0"/>
+          </a:p>
+          <a:p>
+            <a:pPr marL="0" indent="0">
+              <a:buNone/>
+            </a:pPr>
+            <a:endParaRPr lang="en-US" dirty="0"/>
+          </a:p>
+          <a:p>
+            <a:pPr marL="0" indent="0">
+              <a:buNone/>
+            </a:pPr>
+            <a:endParaRPr lang="en-US" dirty="0"/>
+          </a:p>
+          <a:p>
+            <a:endParaRPr lang="en-US" dirty="0"/>
           </a:p>
         </p:txBody>
       </p:sp>
     </p:spTree>
     <p:extLst>
       <p:ext uri="{BB962C8B-B14F-4D97-AF65-F5344CB8AC3E}">
-        <p14:creationId xmlns:p14="http://schemas.microsoft.com/office/powerpoint/2010/main" val="1242964219"/>
+        <p14:creationId xmlns:p14="http://schemas.microsoft.com/office/powerpoint/2010/main" val="1773803306"/>
       </p:ext>
     </p:extLst>
   </p:cSld>
